--- a/Recipe/Volunteer_Capacity_Indicator_Presentation.pptx
+++ b/Recipe/Volunteer_Capacity_Indicator_Presentation.pptx
@@ -5,7 +5,7 @@
     <p:sldMasterId id="2147484105" r:id="rId1"/>
   </p:sldMasterIdLst>
   <p:notesMasterIdLst>
-    <p:notesMasterId r:id="rId18"/>
+    <p:notesMasterId r:id="rId22"/>
   </p:notesMasterIdLst>
   <p:sldIdLst>
     <p:sldId id="256" r:id="rId2"/>
@@ -16,14 +16,18 @@
     <p:sldId id="259" r:id="rId7"/>
     <p:sldId id="260" r:id="rId8"/>
     <p:sldId id="270" r:id="rId9"/>
-    <p:sldId id="261" r:id="rId10"/>
-    <p:sldId id="262" r:id="rId11"/>
-    <p:sldId id="263" r:id="rId12"/>
-    <p:sldId id="267" r:id="rId13"/>
-    <p:sldId id="268" r:id="rId14"/>
-    <p:sldId id="264" r:id="rId15"/>
-    <p:sldId id="269" r:id="rId16"/>
-    <p:sldId id="265" r:id="rId17"/>
+    <p:sldId id="274" r:id="rId10"/>
+    <p:sldId id="275" r:id="rId11"/>
+    <p:sldId id="272" r:id="rId12"/>
+    <p:sldId id="273" r:id="rId13"/>
+    <p:sldId id="261" r:id="rId14"/>
+    <p:sldId id="262" r:id="rId15"/>
+    <p:sldId id="263" r:id="rId16"/>
+    <p:sldId id="267" r:id="rId17"/>
+    <p:sldId id="268" r:id="rId18"/>
+    <p:sldId id="264" r:id="rId19"/>
+    <p:sldId id="269" r:id="rId20"/>
+    <p:sldId id="265" r:id="rId21"/>
   </p:sldIdLst>
   <p:sldSz cx="12192000" cy="6858000"/>
   <p:notesSz cx="6858000" cy="9144000"/>
@@ -145,13 +149,13 @@
 <pc:chgInfo xmlns:a="http://schemas.openxmlformats.org/drawingml/2006/main" xmlns:r="http://schemas.openxmlformats.org/officeDocument/2006/relationships" xmlns:ac="http://schemas.microsoft.com/office/drawing/2013/main/command" xmlns:pc="http://schemas.microsoft.com/office/powerpoint/2013/main/command">
   <pc:docChgLst>
     <pc:chgData name="Randy Aufrecht" userId="5c72ccf9-eff3-46c0-a756-81c48038dada" providerId="ADAL" clId="{C6FA6FE9-2E57-4794-8B70-0ADB013E53C2}"/>
-    <pc:docChg chg="custSel addSld modSld">
-      <pc:chgData name="Randy Aufrecht" userId="5c72ccf9-eff3-46c0-a756-81c48038dada" providerId="ADAL" clId="{C6FA6FE9-2E57-4794-8B70-0ADB013E53C2}" dt="2024-08-08T21:04:24.305" v="109" actId="20577"/>
+    <pc:docChg chg="custSel addSld modSld sldOrd">
+      <pc:chgData name="Randy Aufrecht" userId="5c72ccf9-eff3-46c0-a756-81c48038dada" providerId="ADAL" clId="{C6FA6FE9-2E57-4794-8B70-0ADB013E53C2}" dt="2024-08-15T15:01:26.403" v="1091" actId="20577"/>
       <pc:docMkLst>
         <pc:docMk/>
       </pc:docMkLst>
-      <pc:sldChg chg="delSp modSp mod delAnim">
-        <pc:chgData name="Randy Aufrecht" userId="5c72ccf9-eff3-46c0-a756-81c48038dada" providerId="ADAL" clId="{C6FA6FE9-2E57-4794-8B70-0ADB013E53C2}" dt="2024-08-08T20:52:51.504" v="100" actId="20577"/>
+      <pc:sldChg chg="delSp modSp mod delAnim modNotesTx">
+        <pc:chgData name="Randy Aufrecht" userId="5c72ccf9-eff3-46c0-a756-81c48038dada" providerId="ADAL" clId="{C6FA6FE9-2E57-4794-8B70-0ADB013E53C2}" dt="2024-08-14T03:43:14.798" v="379" actId="20577"/>
         <pc:sldMkLst>
           <pc:docMk/>
           <pc:sldMk cId="0" sldId="257"/>
@@ -197,14 +201,14 @@
           </ac:picMkLst>
         </pc:picChg>
       </pc:sldChg>
-      <pc:sldChg chg="modSp mod">
-        <pc:chgData name="Randy Aufrecht" userId="5c72ccf9-eff3-46c0-a756-81c48038dada" providerId="ADAL" clId="{C6FA6FE9-2E57-4794-8B70-0ADB013E53C2}" dt="2024-08-08T20:54:04.271" v="102" actId="1076"/>
+      <pc:sldChg chg="modSp mod modNotesTx">
+        <pc:chgData name="Randy Aufrecht" userId="5c72ccf9-eff3-46c0-a756-81c48038dada" providerId="ADAL" clId="{C6FA6FE9-2E57-4794-8B70-0ADB013E53C2}" dt="2024-08-15T02:38:29.014" v="766" actId="20577"/>
         <pc:sldMkLst>
           <pc:docMk/>
           <pc:sldMk cId="0" sldId="259"/>
         </pc:sldMkLst>
         <pc:spChg chg="mod">
-          <ac:chgData name="Randy Aufrecht" userId="5c72ccf9-eff3-46c0-a756-81c48038dada" providerId="ADAL" clId="{C6FA6FE9-2E57-4794-8B70-0ADB013E53C2}" dt="2024-08-08T20:54:04.271" v="102" actId="1076"/>
+          <ac:chgData name="Randy Aufrecht" userId="5c72ccf9-eff3-46c0-a756-81c48038dada" providerId="ADAL" clId="{C6FA6FE9-2E57-4794-8B70-0ADB013E53C2}" dt="2024-08-15T02:38:29.014" v="766" actId="20577"/>
           <ac:spMkLst>
             <pc:docMk/>
             <pc:sldMk cId="0" sldId="259"/>
@@ -226,6 +230,20 @@
             <ac:picMk id="5" creationId="{E86BEC8B-451C-46DC-8374-8ADCB340EA28}"/>
           </ac:picMkLst>
         </pc:picChg>
+      </pc:sldChg>
+      <pc:sldChg chg="modNotesTx">
+        <pc:chgData name="Randy Aufrecht" userId="5c72ccf9-eff3-46c0-a756-81c48038dada" providerId="ADAL" clId="{C6FA6FE9-2E57-4794-8B70-0ADB013E53C2}" dt="2024-08-14T03:59:10.890" v="586" actId="313"/>
+        <pc:sldMkLst>
+          <pc:docMk/>
+          <pc:sldMk cId="0" sldId="261"/>
+        </pc:sldMkLst>
+      </pc:sldChg>
+      <pc:sldChg chg="modNotesTx">
+        <pc:chgData name="Randy Aufrecht" userId="5c72ccf9-eff3-46c0-a756-81c48038dada" providerId="ADAL" clId="{C6FA6FE9-2E57-4794-8B70-0ADB013E53C2}" dt="2024-08-14T04:03:00.148" v="645" actId="20577"/>
+        <pc:sldMkLst>
+          <pc:docMk/>
+          <pc:sldMk cId="0" sldId="262"/>
+        </pc:sldMkLst>
       </pc:sldChg>
       <pc:sldChg chg="modSp mod">
         <pc:chgData name="Randy Aufrecht" userId="5c72ccf9-eff3-46c0-a756-81c48038dada" providerId="ADAL" clId="{C6FA6FE9-2E57-4794-8B70-0ADB013E53C2}" dt="2024-08-08T21:04:24.305" v="109" actId="20577"/>
@@ -312,8 +330,8 @@
           </ac:picMkLst>
         </pc:picChg>
       </pc:sldChg>
-      <pc:sldChg chg="modSp add mod">
-        <pc:chgData name="Randy Aufrecht" userId="5c72ccf9-eff3-46c0-a756-81c48038dada" providerId="ADAL" clId="{C6FA6FE9-2E57-4794-8B70-0ADB013E53C2}" dt="2024-08-08T20:53:08.050" v="101"/>
+      <pc:sldChg chg="modSp add mod modNotesTx">
+        <pc:chgData name="Randy Aufrecht" userId="5c72ccf9-eff3-46c0-a756-81c48038dada" providerId="ADAL" clId="{C6FA6FE9-2E57-4794-8B70-0ADB013E53C2}" dt="2024-08-14T03:45:00.566" v="540" actId="20577"/>
         <pc:sldMkLst>
           <pc:docMk/>
           <pc:sldMk cId="485347666" sldId="271"/>
@@ -324,6 +342,186 @@
             <pc:docMk/>
             <pc:sldMk cId="485347666" sldId="271"/>
             <ac:spMk id="3" creationId="{00000000-0000-0000-0000-000000000000}"/>
+          </ac:spMkLst>
+        </pc:spChg>
+      </pc:sldChg>
+      <pc:sldChg chg="addSp modSp new mod ord modAnim">
+        <pc:chgData name="Randy Aufrecht" userId="5c72ccf9-eff3-46c0-a756-81c48038dada" providerId="ADAL" clId="{C6FA6FE9-2E57-4794-8B70-0ADB013E53C2}" dt="2024-08-14T04:28:53.677" v="764"/>
+        <pc:sldMkLst>
+          <pc:docMk/>
+          <pc:sldMk cId="3827452496" sldId="272"/>
+        </pc:sldMkLst>
+        <pc:spChg chg="mod">
+          <ac:chgData name="Randy Aufrecht" userId="5c72ccf9-eff3-46c0-a756-81c48038dada" providerId="ADAL" clId="{C6FA6FE9-2E57-4794-8B70-0ADB013E53C2}" dt="2024-08-14T04:07:19.792" v="651" actId="20577"/>
+          <ac:spMkLst>
+            <pc:docMk/>
+            <pc:sldMk cId="3827452496" sldId="272"/>
+            <ac:spMk id="2" creationId="{490CF1E3-4D4B-4BEB-9E5B-01DC2A93799C}"/>
+          </ac:spMkLst>
+        </pc:spChg>
+        <pc:spChg chg="mod">
+          <ac:chgData name="Randy Aufrecht" userId="5c72ccf9-eff3-46c0-a756-81c48038dada" providerId="ADAL" clId="{C6FA6FE9-2E57-4794-8B70-0ADB013E53C2}" dt="2024-08-14T04:15:09.011" v="741" actId="14100"/>
+          <ac:spMkLst>
+            <pc:docMk/>
+            <pc:sldMk cId="3827452496" sldId="272"/>
+            <ac:spMk id="3" creationId="{577E64C0-8BB2-4C33-8B8A-6AE794C48E65}"/>
+          </ac:spMkLst>
+        </pc:spChg>
+        <pc:picChg chg="add mod ord">
+          <ac:chgData name="Randy Aufrecht" userId="5c72ccf9-eff3-46c0-a756-81c48038dada" providerId="ADAL" clId="{C6FA6FE9-2E57-4794-8B70-0ADB013E53C2}" dt="2024-08-14T04:28:10.051" v="760" actId="166"/>
+          <ac:picMkLst>
+            <pc:docMk/>
+            <pc:sldMk cId="3827452496" sldId="272"/>
+            <ac:picMk id="5" creationId="{70B60EBD-FA8D-47AB-8C4D-A1697C127D11}"/>
+          </ac:picMkLst>
+        </pc:picChg>
+        <pc:picChg chg="add mod ord">
+          <ac:chgData name="Randy Aufrecht" userId="5c72ccf9-eff3-46c0-a756-81c48038dada" providerId="ADAL" clId="{C6FA6FE9-2E57-4794-8B70-0ADB013E53C2}" dt="2024-08-14T04:28:21.099" v="763" actId="166"/>
+          <ac:picMkLst>
+            <pc:docMk/>
+            <pc:sldMk cId="3827452496" sldId="272"/>
+            <ac:picMk id="6" creationId="{FA5240C8-02B8-464E-88C1-8F9470CE1F53}"/>
+          </ac:picMkLst>
+        </pc:picChg>
+        <pc:picChg chg="add mod ord">
+          <ac:chgData name="Randy Aufrecht" userId="5c72ccf9-eff3-46c0-a756-81c48038dada" providerId="ADAL" clId="{C6FA6FE9-2E57-4794-8B70-0ADB013E53C2}" dt="2024-08-14T04:28:17.375" v="762" actId="166"/>
+          <ac:picMkLst>
+            <pc:docMk/>
+            <pc:sldMk cId="3827452496" sldId="272"/>
+            <ac:picMk id="7" creationId="{CFB4B398-B527-48DC-8D02-426404B1ED2B}"/>
+          </ac:picMkLst>
+        </pc:picChg>
+        <pc:picChg chg="add mod ord">
+          <ac:chgData name="Randy Aufrecht" userId="5c72ccf9-eff3-46c0-a756-81c48038dada" providerId="ADAL" clId="{C6FA6FE9-2E57-4794-8B70-0ADB013E53C2}" dt="2024-08-14T04:28:13.904" v="761" actId="166"/>
+          <ac:picMkLst>
+            <pc:docMk/>
+            <pc:sldMk cId="3827452496" sldId="272"/>
+            <ac:picMk id="9" creationId="{4AECF56B-CF1F-4CD6-A8A4-69CF817464B6}"/>
+          </ac:picMkLst>
+        </pc:picChg>
+      </pc:sldChg>
+      <pc:sldChg chg="addSp delSp modSp add mod delAnim">
+        <pc:chgData name="Randy Aufrecht" userId="5c72ccf9-eff3-46c0-a756-81c48038dada" providerId="ADAL" clId="{C6FA6FE9-2E57-4794-8B70-0ADB013E53C2}" dt="2024-08-15T14:16:28.767" v="780" actId="1076"/>
+        <pc:sldMkLst>
+          <pc:docMk/>
+          <pc:sldMk cId="4041948609" sldId="273"/>
+        </pc:sldMkLst>
+        <pc:spChg chg="mod">
+          <ac:chgData name="Randy Aufrecht" userId="5c72ccf9-eff3-46c0-a756-81c48038dada" providerId="ADAL" clId="{C6FA6FE9-2E57-4794-8B70-0ADB013E53C2}" dt="2024-08-15T14:16:19.051" v="779" actId="1076"/>
+          <ac:spMkLst>
+            <pc:docMk/>
+            <pc:sldMk cId="4041948609" sldId="273"/>
+            <ac:spMk id="2" creationId="{490CF1E3-4D4B-4BEB-9E5B-01DC2A93799C}"/>
+          </ac:spMkLst>
+        </pc:spChg>
+        <pc:spChg chg="del">
+          <ac:chgData name="Randy Aufrecht" userId="5c72ccf9-eff3-46c0-a756-81c48038dada" providerId="ADAL" clId="{C6FA6FE9-2E57-4794-8B70-0ADB013E53C2}" dt="2024-08-15T14:12:21.287" v="768" actId="478"/>
+          <ac:spMkLst>
+            <pc:docMk/>
+            <pc:sldMk cId="4041948609" sldId="273"/>
+            <ac:spMk id="3" creationId="{577E64C0-8BB2-4C33-8B8A-6AE794C48E65}"/>
+          </ac:spMkLst>
+        </pc:spChg>
+        <pc:spChg chg="add del mod">
+          <ac:chgData name="Randy Aufrecht" userId="5c72ccf9-eff3-46c0-a756-81c48038dada" providerId="ADAL" clId="{C6FA6FE9-2E57-4794-8B70-0ADB013E53C2}" dt="2024-08-15T14:12:50.506" v="771" actId="478"/>
+          <ac:spMkLst>
+            <pc:docMk/>
+            <pc:sldMk cId="4041948609" sldId="273"/>
+            <ac:spMk id="8" creationId="{A6BC3498-9A06-415E-9586-E76E0E6024CD}"/>
+          </ac:spMkLst>
+        </pc:spChg>
+        <pc:picChg chg="del">
+          <ac:chgData name="Randy Aufrecht" userId="5c72ccf9-eff3-46c0-a756-81c48038dada" providerId="ADAL" clId="{C6FA6FE9-2E57-4794-8B70-0ADB013E53C2}" dt="2024-08-15T14:12:56.200" v="773" actId="478"/>
+          <ac:picMkLst>
+            <pc:docMk/>
+            <pc:sldMk cId="4041948609" sldId="273"/>
+            <ac:picMk id="5" creationId="{70B60EBD-FA8D-47AB-8C4D-A1697C127D11}"/>
+          </ac:picMkLst>
+        </pc:picChg>
+        <pc:picChg chg="del">
+          <ac:chgData name="Randy Aufrecht" userId="5c72ccf9-eff3-46c0-a756-81c48038dada" providerId="ADAL" clId="{C6FA6FE9-2E57-4794-8B70-0ADB013E53C2}" dt="2024-08-15T14:12:40.986" v="770" actId="478"/>
+          <ac:picMkLst>
+            <pc:docMk/>
+            <pc:sldMk cId="4041948609" sldId="273"/>
+            <ac:picMk id="6" creationId="{FA5240C8-02B8-464E-88C1-8F9470CE1F53}"/>
+          </ac:picMkLst>
+        </pc:picChg>
+        <pc:picChg chg="del">
+          <ac:chgData name="Randy Aufrecht" userId="5c72ccf9-eff3-46c0-a756-81c48038dada" providerId="ADAL" clId="{C6FA6FE9-2E57-4794-8B70-0ADB013E53C2}" dt="2024-08-15T14:12:53.617" v="772" actId="478"/>
+          <ac:picMkLst>
+            <pc:docMk/>
+            <pc:sldMk cId="4041948609" sldId="273"/>
+            <ac:picMk id="7" creationId="{CFB4B398-B527-48DC-8D02-426404B1ED2B}"/>
+          </ac:picMkLst>
+        </pc:picChg>
+        <pc:picChg chg="del">
+          <ac:chgData name="Randy Aufrecht" userId="5c72ccf9-eff3-46c0-a756-81c48038dada" providerId="ADAL" clId="{C6FA6FE9-2E57-4794-8B70-0ADB013E53C2}" dt="2024-08-15T14:12:34.634" v="769" actId="478"/>
+          <ac:picMkLst>
+            <pc:docMk/>
+            <pc:sldMk cId="4041948609" sldId="273"/>
+            <ac:picMk id="9" creationId="{4AECF56B-CF1F-4CD6-A8A4-69CF817464B6}"/>
+          </ac:picMkLst>
+        </pc:picChg>
+        <pc:picChg chg="add mod">
+          <ac:chgData name="Randy Aufrecht" userId="5c72ccf9-eff3-46c0-a756-81c48038dada" providerId="ADAL" clId="{C6FA6FE9-2E57-4794-8B70-0ADB013E53C2}" dt="2024-08-15T14:16:28.767" v="780" actId="1076"/>
+          <ac:picMkLst>
+            <pc:docMk/>
+            <pc:sldMk cId="4041948609" sldId="273"/>
+            <ac:picMk id="11" creationId="{EF6401B8-5EBD-4DD9-91FF-6C6481D4CD1C}"/>
+          </ac:picMkLst>
+        </pc:picChg>
+      </pc:sldChg>
+      <pc:sldChg chg="delSp modSp add mod">
+        <pc:chgData name="Randy Aufrecht" userId="5c72ccf9-eff3-46c0-a756-81c48038dada" providerId="ADAL" clId="{C6FA6FE9-2E57-4794-8B70-0ADB013E53C2}" dt="2024-08-15T15:01:26.403" v="1091" actId="20577"/>
+        <pc:sldMkLst>
+          <pc:docMk/>
+          <pc:sldMk cId="3949092716" sldId="274"/>
+        </pc:sldMkLst>
+        <pc:spChg chg="mod">
+          <ac:chgData name="Randy Aufrecht" userId="5c72ccf9-eff3-46c0-a756-81c48038dada" providerId="ADAL" clId="{C6FA6FE9-2E57-4794-8B70-0ADB013E53C2}" dt="2024-08-15T14:18:25.935" v="804" actId="20577"/>
+          <ac:spMkLst>
+            <pc:docMk/>
+            <pc:sldMk cId="3949092716" sldId="274"/>
+            <ac:spMk id="2" creationId="{00000000-0000-0000-0000-000000000000}"/>
+          </ac:spMkLst>
+        </pc:spChg>
+        <pc:spChg chg="mod">
+          <ac:chgData name="Randy Aufrecht" userId="5c72ccf9-eff3-46c0-a756-81c48038dada" providerId="ADAL" clId="{C6FA6FE9-2E57-4794-8B70-0ADB013E53C2}" dt="2024-08-15T15:01:26.403" v="1091" actId="20577"/>
+          <ac:spMkLst>
+            <pc:docMk/>
+            <pc:sldMk cId="3949092716" sldId="274"/>
+            <ac:spMk id="6" creationId="{5CC7BECD-1557-460E-A170-6FA6BA32CE26}"/>
+          </ac:spMkLst>
+        </pc:spChg>
+        <pc:picChg chg="del">
+          <ac:chgData name="Randy Aufrecht" userId="5c72ccf9-eff3-46c0-a756-81c48038dada" providerId="ADAL" clId="{C6FA6FE9-2E57-4794-8B70-0ADB013E53C2}" dt="2024-08-15T14:18:10.502" v="782" actId="478"/>
+          <ac:picMkLst>
+            <pc:docMk/>
+            <pc:sldMk cId="3949092716" sldId="274"/>
+            <ac:picMk id="5" creationId="{E86BEC8B-451C-46DC-8374-8ADCB340EA28}"/>
+          </ac:picMkLst>
+        </pc:picChg>
+      </pc:sldChg>
+      <pc:sldChg chg="modSp add mod">
+        <pc:chgData name="Randy Aufrecht" userId="5c72ccf9-eff3-46c0-a756-81c48038dada" providerId="ADAL" clId="{C6FA6FE9-2E57-4794-8B70-0ADB013E53C2}" dt="2024-08-15T14:58:28.088" v="1090" actId="14100"/>
+        <pc:sldMkLst>
+          <pc:docMk/>
+          <pc:sldMk cId="3093579907" sldId="275"/>
+        </pc:sldMkLst>
+        <pc:spChg chg="mod">
+          <ac:chgData name="Randy Aufrecht" userId="5c72ccf9-eff3-46c0-a756-81c48038dada" providerId="ADAL" clId="{C6FA6FE9-2E57-4794-8B70-0ADB013E53C2}" dt="2024-08-15T14:44:12.454" v="1002" actId="1076"/>
+          <ac:spMkLst>
+            <pc:docMk/>
+            <pc:sldMk cId="3093579907" sldId="275"/>
+            <ac:spMk id="2" creationId="{00000000-0000-0000-0000-000000000000}"/>
+          </ac:spMkLst>
+        </pc:spChg>
+        <pc:spChg chg="mod">
+          <ac:chgData name="Randy Aufrecht" userId="5c72ccf9-eff3-46c0-a756-81c48038dada" providerId="ADAL" clId="{C6FA6FE9-2E57-4794-8B70-0ADB013E53C2}" dt="2024-08-15T14:58:28.088" v="1090" actId="14100"/>
+          <ac:spMkLst>
+            <pc:docMk/>
+            <pc:sldMk cId="3093579907" sldId="275"/>
+            <ac:spMk id="6" creationId="{5CC7BECD-1557-460E-A170-6FA6BA32CE26}"/>
           </ac:spMkLst>
         </pc:spChg>
       </pc:sldChg>
@@ -414,7 +612,7 @@
           <a:p>
             <a:fld id="{5C6F8CB3-833E-4845-BD98-F3A9C6526695}" type="datetimeFigureOut">
               <a:rPr lang="en-US" smtClean="0"/>
-              <a:t>8/8/2024</a:t>
+              <a:t>8/14/2024</a:t>
             </a:fld>
             <a:endParaRPr lang="en-US"/>
           </a:p>
@@ -727,25 +925,53 @@
           <a:p>
             <a:r>
               <a:rPr lang="en-US" dirty="0"/>
-              <a:t>My recipe is in the community recipe page</a:t>
+              <a:t>Been in Church IT since 1996</a:t>
             </a:r>
           </a:p>
           <a:p>
             <a:r>
               <a:rPr lang="en-US" dirty="0"/>
-              <a:t>We call this system “Volunteer Capacity Indicator” or VCI</a:t>
+              <a:t>First website in Microsoft Frontpage</a:t>
             </a:r>
           </a:p>
           <a:p>
             <a:r>
               <a:rPr lang="en-US" dirty="0"/>
-              <a:t>Designed to enhance the safety and security of the church</a:t>
+              <a:t>Long list of Databases: Custom AREV, Shelby v5, ACS, The City, CCB</a:t>
             </a:r>
           </a:p>
           <a:p>
             <a:r>
               <a:rPr lang="en-US" dirty="0"/>
-              <a:t>Indicates their eligibility to serve in their various roles</a:t>
+              <a:t>Been using Rock since 2018.</a:t>
+            </a:r>
+          </a:p>
+          <a:p>
+            <a:r>
+              <a:rPr lang="en-US" dirty="0"/>
+              <a:t>8</a:t>
+            </a:r>
+            <a:r>
+              <a:rPr lang="en-US" baseline="30000" dirty="0"/>
+              <a:t>th</a:t>
+            </a:r>
+            <a:r>
+              <a:rPr lang="en-US" dirty="0"/>
+              <a:t> RX 4</a:t>
+            </a:r>
+            <a:r>
+              <a:rPr lang="en-US" baseline="30000" dirty="0"/>
+              <a:t>th</a:t>
+            </a:r>
+            <a:r>
+              <a:rPr lang="en-US" dirty="0"/>
+              <a:t> time speaking</a:t>
+            </a:r>
+          </a:p>
+          <a:p>
+            <a:r>
+              <a:rPr lang="en-US" dirty="0"/>
+              <a:t>After last RX moved to SATX</a:t>
             </a:r>
           </a:p>
         </p:txBody>
@@ -767,7 +993,7 @@
           <a:p>
             <a:fld id="{92AB4487-5701-4695-8C61-659BCA8EB6AE}" type="slidenum">
               <a:rPr lang="en-US" smtClean="0"/>
-              <a:t>4</a:t>
+              <a:t>2</a:t>
             </a:fld>
             <a:endParaRPr lang="en-US"/>
           </a:p>
@@ -776,7 +1002,7 @@
     </p:spTree>
     <p:extLst>
       <p:ext uri="{BB962C8B-B14F-4D97-AF65-F5344CB8AC3E}">
-        <p14:creationId xmlns:p14="http://schemas.microsoft.com/office/powerpoint/2010/main" val="3649845193"/>
+        <p14:creationId xmlns:p14="http://schemas.microsoft.com/office/powerpoint/2010/main" val="1526605701"/>
       </p:ext>
     </p:extLst>
   </p:cSld>
@@ -832,19 +1058,25 @@
           <a:p>
             <a:r>
               <a:rPr lang="en-US" dirty="0"/>
-              <a:t>Why did we create the VCI?</a:t>
+              <a:t>Been married for 35 years this September</a:t>
             </a:r>
           </a:p>
           <a:p>
             <a:r>
               <a:rPr lang="en-US" dirty="0"/>
-              <a:t>Too many ways a person might not be able to serve: Background Check, Safety Awareness Training, Signals</a:t>
+              <a:t>Have 2 adult kids, 1 in SA</a:t>
             </a:r>
           </a:p>
           <a:p>
             <a:r>
               <a:rPr lang="en-US" dirty="0"/>
-              <a:t>Hopefully, this framework will give you a single location to check on your volunteers</a:t>
+              <a:t>If you want to know why I moved…</a:t>
+            </a:r>
+          </a:p>
+          <a:p>
+            <a:r>
+              <a:rPr lang="en-US" dirty="0"/>
+              <a:t>Plus 1 more due on my birthday in a few weeks.	</a:t>
             </a:r>
           </a:p>
         </p:txBody>
@@ -866,7 +1098,7 @@
           <a:p>
             <a:fld id="{92AB4487-5701-4695-8C61-659BCA8EB6AE}" type="slidenum">
               <a:rPr lang="en-US" smtClean="0"/>
-              <a:t>5</a:t>
+              <a:t>3</a:t>
             </a:fld>
             <a:endParaRPr lang="en-US"/>
           </a:p>
@@ -875,7 +1107,7 @@
     </p:spTree>
     <p:extLst>
       <p:ext uri="{BB962C8B-B14F-4D97-AF65-F5344CB8AC3E}">
-        <p14:creationId xmlns:p14="http://schemas.microsoft.com/office/powerpoint/2010/main" val="3620042372"/>
+        <p14:creationId xmlns:p14="http://schemas.microsoft.com/office/powerpoint/2010/main" val="2278583378"/>
       </p:ext>
     </p:extLst>
   </p:cSld>
@@ -929,12 +1161,27 @@
           <a:bodyPr/>
           <a:lstStyle/>
           <a:p>
-            <a:endParaRPr lang="en-US" dirty="0"/>
-          </a:p>
-          <a:p>
             <a:r>
               <a:rPr lang="en-US" dirty="0"/>
-              <a:t>These levels can be customized to your needs</a:t>
+              <a:t>My recipe is in the community recipe page</a:t>
+            </a:r>
+          </a:p>
+          <a:p>
+            <a:r>
+              <a:rPr lang="en-US" dirty="0"/>
+              <a:t>We call this system “Volunteer Capacity Indicator” or VCI</a:t>
+            </a:r>
+          </a:p>
+          <a:p>
+            <a:r>
+              <a:rPr lang="en-US" dirty="0"/>
+              <a:t>Designed to enhance the safety and security of the church</a:t>
+            </a:r>
+          </a:p>
+          <a:p>
+            <a:r>
+              <a:rPr lang="en-US" dirty="0"/>
+              <a:t>Indicates their eligibility to serve in their various roles</a:t>
             </a:r>
           </a:p>
         </p:txBody>
@@ -956,7 +1203,7 @@
           <a:p>
             <a:fld id="{92AB4487-5701-4695-8C61-659BCA8EB6AE}" type="slidenum">
               <a:rPr lang="en-US" smtClean="0"/>
-              <a:t>6</a:t>
+              <a:t>4</a:t>
             </a:fld>
             <a:endParaRPr lang="en-US"/>
           </a:p>
@@ -965,7 +1212,7 @@
     </p:spTree>
     <p:extLst>
       <p:ext uri="{BB962C8B-B14F-4D97-AF65-F5344CB8AC3E}">
-        <p14:creationId xmlns:p14="http://schemas.microsoft.com/office/powerpoint/2010/main" val="2525551249"/>
+        <p14:creationId xmlns:p14="http://schemas.microsoft.com/office/powerpoint/2010/main" val="3649845193"/>
       </p:ext>
     </p:extLst>
   </p:cSld>
@@ -1021,33 +1268,19 @@
           <a:p>
             <a:r>
               <a:rPr lang="en-US" dirty="0"/>
-              <a:t>There are 2 types of automations</a:t>
-            </a:r>
-          </a:p>
-          <a:p>
-            <a:pPr marL="228600" indent="-228600">
-              <a:buAutoNum type="arabicPeriod"/>
-            </a:pPr>
+              <a:t>Why did we create the VCI?</a:t>
+            </a:r>
+          </a:p>
+          <a:p>
             <a:r>
               <a:rPr lang="en-US" dirty="0"/>
-              <a:t>A Workflow Trigger starts Email </a:t>
-            </a:r>
-            <a:r>
-              <a:rPr lang="en-US" dirty="0" err="1"/>
-              <a:t>Notiofications</a:t>
-            </a:r>
+              <a:t>Too many ways a person might not be able to serve: Background Check, Safety Awareness Training, Signals</a:t>
+            </a:r>
+          </a:p>
+          <a:p>
             <a:r>
               <a:rPr lang="en-US" dirty="0"/>
-              <a:t> which are sent to Connectors and Serve Team Leaders</a:t>
-            </a:r>
-          </a:p>
-          <a:p>
-            <a:pPr marL="228600" indent="-228600">
-              <a:buAutoNum type="arabicPeriod"/>
-            </a:pPr>
-            <a:r>
-              <a:rPr lang="en-US" dirty="0"/>
-              <a:t>The VCI Level can be automated based on dates and </a:t>
+              <a:t>Hopefully, this framework will give you a single location to check on your volunteers</a:t>
             </a:r>
           </a:p>
         </p:txBody>
@@ -1069,7 +1302,7 @@
           <a:p>
             <a:fld id="{92AB4487-5701-4695-8C61-659BCA8EB6AE}" type="slidenum">
               <a:rPr lang="en-US" smtClean="0"/>
-              <a:t>9</a:t>
+              <a:t>5</a:t>
             </a:fld>
             <a:endParaRPr lang="en-US"/>
           </a:p>
@@ -1078,7 +1311,7 @@
     </p:spTree>
     <p:extLst>
       <p:ext uri="{BB962C8B-B14F-4D97-AF65-F5344CB8AC3E}">
-        <p14:creationId xmlns:p14="http://schemas.microsoft.com/office/powerpoint/2010/main" val="1554870952"/>
+        <p14:creationId xmlns:p14="http://schemas.microsoft.com/office/powerpoint/2010/main" val="3620042372"/>
       </p:ext>
     </p:extLst>
   </p:cSld>
@@ -1132,7 +1365,10 @@
           <a:bodyPr/>
           <a:lstStyle/>
           <a:p>
-            <a:endParaRPr lang="en-US" dirty="0"/>
+            <a:r>
+              <a:rPr lang="en-US" dirty="0"/>
+              <a:t>These levels can be customized to your needs</a:t>
+            </a:r>
           </a:p>
         </p:txBody>
       </p:sp>
@@ -1153,7 +1389,199 @@
           <a:p>
             <a:fld id="{92AB4487-5701-4695-8C61-659BCA8EB6AE}" type="slidenum">
               <a:rPr lang="en-US" smtClean="0"/>
-              <a:t>10</a:t>
+              <a:t>6</a:t>
+            </a:fld>
+            <a:endParaRPr lang="en-US"/>
+          </a:p>
+        </p:txBody>
+      </p:sp>
+    </p:spTree>
+    <p:extLst>
+      <p:ext uri="{BB962C8B-B14F-4D97-AF65-F5344CB8AC3E}">
+        <p14:creationId xmlns:p14="http://schemas.microsoft.com/office/powerpoint/2010/main" val="2525551249"/>
+      </p:ext>
+    </p:extLst>
+  </p:cSld>
+  <p:clrMapOvr>
+    <a:masterClrMapping/>
+  </p:clrMapOvr>
+</p:notes>
+</file>
+
+<file path=ppt/notesSlides/notesSlide6.xml><?xml version="1.0" encoding="utf-8"?>
+<p:notes xmlns:a="http://schemas.openxmlformats.org/drawingml/2006/main" xmlns:r="http://schemas.openxmlformats.org/officeDocument/2006/relationships" xmlns:p="http://schemas.openxmlformats.org/presentationml/2006/main">
+  <p:cSld>
+    <p:spTree>
+      <p:nvGrpSpPr>
+        <p:cNvPr id="1" name=""/>
+        <p:cNvGrpSpPr/>
+        <p:nvPr/>
+      </p:nvGrpSpPr>
+      <p:grpSpPr>
+        <a:xfrm>
+          <a:off x="0" y="0"/>
+          <a:ext cx="0" cy="0"/>
+          <a:chOff x="0" y="0"/>
+          <a:chExt cx="0" cy="0"/>
+        </a:xfrm>
+      </p:grpSpPr>
+      <p:sp>
+        <p:nvSpPr>
+          <p:cNvPr id="2" name="Slide Image Placeholder 1"/>
+          <p:cNvSpPr>
+            <a:spLocks noGrp="1" noRot="1" noChangeAspect="1"/>
+          </p:cNvSpPr>
+          <p:nvPr>
+            <p:ph type="sldImg"/>
+          </p:nvPr>
+        </p:nvSpPr>
+        <p:spPr/>
+      </p:sp>
+      <p:sp>
+        <p:nvSpPr>
+          <p:cNvPr id="3" name="Notes Placeholder 2"/>
+          <p:cNvSpPr>
+            <a:spLocks noGrp="1"/>
+          </p:cNvSpPr>
+          <p:nvPr>
+            <p:ph type="body" idx="1"/>
+          </p:nvPr>
+        </p:nvSpPr>
+        <p:spPr/>
+        <p:txBody>
+          <a:bodyPr/>
+          <a:lstStyle/>
+          <a:p>
+            <a:r>
+              <a:rPr lang="en-US" dirty="0"/>
+              <a:t>There are 2 types of automations</a:t>
+            </a:r>
+          </a:p>
+          <a:p>
+            <a:pPr marL="228600" indent="-228600">
+              <a:buAutoNum type="arabicPeriod"/>
+            </a:pPr>
+            <a:r>
+              <a:rPr lang="en-US" dirty="0"/>
+              <a:t>A Workflow Trigger starts Email Notifications which are sent to Connectors and Serve Team Leaders</a:t>
+            </a:r>
+          </a:p>
+          <a:p>
+            <a:pPr marL="228600" indent="-228600">
+              <a:buAutoNum type="arabicPeriod"/>
+            </a:pPr>
+            <a:r>
+              <a:rPr lang="en-US" dirty="0"/>
+              <a:t>The VCI Level can be automated based on dates and other criteria you may have.</a:t>
+            </a:r>
+          </a:p>
+        </p:txBody>
+      </p:sp>
+      <p:sp>
+        <p:nvSpPr>
+          <p:cNvPr id="4" name="Slide Number Placeholder 3"/>
+          <p:cNvSpPr>
+            <a:spLocks noGrp="1"/>
+          </p:cNvSpPr>
+          <p:nvPr>
+            <p:ph type="sldNum" sz="quarter" idx="5"/>
+          </p:nvPr>
+        </p:nvSpPr>
+        <p:spPr/>
+        <p:txBody>
+          <a:bodyPr/>
+          <a:lstStyle/>
+          <a:p>
+            <a:fld id="{92AB4487-5701-4695-8C61-659BCA8EB6AE}" type="slidenum">
+              <a:rPr lang="en-US" smtClean="0"/>
+              <a:t>13</a:t>
+            </a:fld>
+            <a:endParaRPr lang="en-US"/>
+          </a:p>
+        </p:txBody>
+      </p:sp>
+    </p:spTree>
+    <p:extLst>
+      <p:ext uri="{BB962C8B-B14F-4D97-AF65-F5344CB8AC3E}">
+        <p14:creationId xmlns:p14="http://schemas.microsoft.com/office/powerpoint/2010/main" val="1554870952"/>
+      </p:ext>
+    </p:extLst>
+  </p:cSld>
+  <p:clrMapOvr>
+    <a:masterClrMapping/>
+  </p:clrMapOvr>
+</p:notes>
+</file>
+
+<file path=ppt/notesSlides/notesSlide7.xml><?xml version="1.0" encoding="utf-8"?>
+<p:notes xmlns:a="http://schemas.openxmlformats.org/drawingml/2006/main" xmlns:r="http://schemas.openxmlformats.org/officeDocument/2006/relationships" xmlns:p="http://schemas.openxmlformats.org/presentationml/2006/main">
+  <p:cSld>
+    <p:spTree>
+      <p:nvGrpSpPr>
+        <p:cNvPr id="1" name=""/>
+        <p:cNvGrpSpPr/>
+        <p:nvPr/>
+      </p:nvGrpSpPr>
+      <p:grpSpPr>
+        <a:xfrm>
+          <a:off x="0" y="0"/>
+          <a:ext cx="0" cy="0"/>
+          <a:chOff x="0" y="0"/>
+          <a:chExt cx="0" cy="0"/>
+        </a:xfrm>
+      </p:grpSpPr>
+      <p:sp>
+        <p:nvSpPr>
+          <p:cNvPr id="2" name="Slide Image Placeholder 1"/>
+          <p:cNvSpPr>
+            <a:spLocks noGrp="1" noRot="1" noChangeAspect="1"/>
+          </p:cNvSpPr>
+          <p:nvPr>
+            <p:ph type="sldImg"/>
+          </p:nvPr>
+        </p:nvSpPr>
+        <p:spPr/>
+      </p:sp>
+      <p:sp>
+        <p:nvSpPr>
+          <p:cNvPr id="3" name="Notes Placeholder 2"/>
+          <p:cNvSpPr>
+            <a:spLocks noGrp="1"/>
+          </p:cNvSpPr>
+          <p:nvPr>
+            <p:ph type="body" idx="1"/>
+          </p:nvPr>
+        </p:nvSpPr>
+        <p:spPr/>
+        <p:txBody>
+          <a:bodyPr/>
+          <a:lstStyle/>
+          <a:p>
+            <a:r>
+              <a:rPr lang="en-US" dirty="0"/>
+              <a:t>These are what CBC uses for our renewals and requirements</a:t>
+            </a:r>
+          </a:p>
+        </p:txBody>
+      </p:sp>
+      <p:sp>
+        <p:nvSpPr>
+          <p:cNvPr id="4" name="Slide Number Placeholder 3"/>
+          <p:cNvSpPr>
+            <a:spLocks noGrp="1"/>
+          </p:cNvSpPr>
+          <p:nvPr>
+            <p:ph type="sldNum" sz="quarter" idx="5"/>
+          </p:nvPr>
+        </p:nvSpPr>
+        <p:spPr/>
+        <p:txBody>
+          <a:bodyPr/>
+          <a:lstStyle/>
+          <a:p>
+            <a:fld id="{92AB4487-5701-4695-8C61-659BCA8EB6AE}" type="slidenum">
+              <a:rPr lang="en-US" smtClean="0"/>
+              <a:t>14</a:t>
             </a:fld>
             <a:endParaRPr lang="en-US"/>
           </a:p>
@@ -1674,7 +2102,7 @@
           <a:p>
             <a:fld id="{5BCAD085-E8A6-8845-BD4E-CB4CCA059FC4}" type="datetimeFigureOut">
               <a:rPr lang="en-US" smtClean="0"/>
-              <a:t>8/8/2024</a:t>
+              <a:t>8/14/2024</a:t>
             </a:fld>
             <a:endParaRPr lang="en-US"/>
           </a:p>
@@ -1970,7 +2398,7 @@
           <a:p>
             <a:fld id="{5BCAD085-E8A6-8845-BD4E-CB4CCA059FC4}" type="datetimeFigureOut">
               <a:rPr lang="en-US" smtClean="0"/>
-              <a:t>8/8/2024</a:t>
+              <a:t>8/14/2024</a:t>
             </a:fld>
             <a:endParaRPr lang="en-US"/>
           </a:p>
@@ -2218,7 +2646,7 @@
           <a:p>
             <a:fld id="{5BCAD085-E8A6-8845-BD4E-CB4CCA059FC4}" type="datetimeFigureOut">
               <a:rPr lang="en-US" smtClean="0"/>
-              <a:t>8/8/2024</a:t>
+              <a:t>8/14/2024</a:t>
             </a:fld>
             <a:endParaRPr lang="en-US"/>
           </a:p>
@@ -2758,7 +3186,7 @@
           <a:p>
             <a:fld id="{5BCAD085-E8A6-8845-BD4E-CB4CCA059FC4}" type="datetimeFigureOut">
               <a:rPr lang="en-US" smtClean="0"/>
-              <a:t>8/8/2024</a:t>
+              <a:t>8/14/2024</a:t>
             </a:fld>
             <a:endParaRPr lang="en-US"/>
           </a:p>
@@ -3006,7 +3434,7 @@
           <a:p>
             <a:fld id="{5BCAD085-E8A6-8845-BD4E-CB4CCA059FC4}" type="datetimeFigureOut">
               <a:rPr lang="en-US" smtClean="0"/>
-              <a:t>8/8/2024</a:t>
+              <a:t>8/14/2024</a:t>
             </a:fld>
             <a:endParaRPr lang="en-US"/>
           </a:p>
@@ -3538,7 +3966,7 @@
           <a:p>
             <a:fld id="{5BCAD085-E8A6-8845-BD4E-CB4CCA059FC4}" type="datetimeFigureOut">
               <a:rPr lang="en-US" smtClean="0"/>
-              <a:t>8/8/2024</a:t>
+              <a:t>8/14/2024</a:t>
             </a:fld>
             <a:endParaRPr lang="en-US"/>
           </a:p>
@@ -3835,7 +4263,7 @@
           <a:p>
             <a:fld id="{5BCAD085-E8A6-8845-BD4E-CB4CCA059FC4}" type="datetimeFigureOut">
               <a:rPr lang="en-US" smtClean="0"/>
-              <a:t>8/8/2024</a:t>
+              <a:t>8/14/2024</a:t>
             </a:fld>
             <a:endParaRPr lang="en-US"/>
           </a:p>
@@ -4009,7 +4437,7 @@
           <a:p>
             <a:fld id="{5BCAD085-E8A6-8845-BD4E-CB4CCA059FC4}" type="datetimeFigureOut">
               <a:rPr lang="en-US" smtClean="0"/>
-              <a:t>8/8/2024</a:t>
+              <a:t>8/14/2024</a:t>
             </a:fld>
             <a:endParaRPr lang="en-US"/>
           </a:p>
@@ -4189,7 +4617,7 @@
           <a:p>
             <a:fld id="{5BCAD085-E8A6-8845-BD4E-CB4CCA059FC4}" type="datetimeFigureOut">
               <a:rPr lang="en-US" smtClean="0"/>
-              <a:t>8/8/2024</a:t>
+              <a:t>8/14/2024</a:t>
             </a:fld>
             <a:endParaRPr lang="en-US"/>
           </a:p>
@@ -4359,7 +4787,7 @@
           <a:p>
             <a:fld id="{5BCAD085-E8A6-8845-BD4E-CB4CCA059FC4}" type="datetimeFigureOut">
               <a:rPr lang="en-US" smtClean="0"/>
-              <a:t>8/8/2024</a:t>
+              <a:t>8/14/2024</a:t>
             </a:fld>
             <a:endParaRPr lang="en-US"/>
           </a:p>
@@ -4610,7 +5038,7 @@
           <a:p>
             <a:fld id="{5BCAD085-E8A6-8845-BD4E-CB4CCA059FC4}" type="datetimeFigureOut">
               <a:rPr lang="en-US" smtClean="0"/>
-              <a:t>8/8/2024</a:t>
+              <a:t>8/14/2024</a:t>
             </a:fld>
             <a:endParaRPr lang="en-US"/>
           </a:p>
@@ -4907,7 +5335,7 @@
           <a:p>
             <a:fld id="{5BCAD085-E8A6-8845-BD4E-CB4CCA059FC4}" type="datetimeFigureOut">
               <a:rPr lang="en-US" smtClean="0"/>
-              <a:t>8/8/2024</a:t>
+              <a:t>8/14/2024</a:t>
             </a:fld>
             <a:endParaRPr lang="en-US"/>
           </a:p>
@@ -5349,7 +5777,7 @@
           <a:p>
             <a:fld id="{5BCAD085-E8A6-8845-BD4E-CB4CCA059FC4}" type="datetimeFigureOut">
               <a:rPr lang="en-US" smtClean="0"/>
-              <a:t>8/8/2024</a:t>
+              <a:t>8/14/2024</a:t>
             </a:fld>
             <a:endParaRPr lang="en-US"/>
           </a:p>
@@ -5467,7 +5895,7 @@
           <a:p>
             <a:fld id="{5BCAD085-E8A6-8845-BD4E-CB4CCA059FC4}" type="datetimeFigureOut">
               <a:rPr lang="en-US" smtClean="0"/>
-              <a:t>8/8/2024</a:t>
+              <a:t>8/14/2024</a:t>
             </a:fld>
             <a:endParaRPr lang="en-US"/>
           </a:p>
@@ -5562,7 +5990,7 @@
           <a:p>
             <a:fld id="{5BCAD085-E8A6-8845-BD4E-CB4CCA059FC4}" type="datetimeFigureOut">
               <a:rPr lang="en-US" smtClean="0"/>
-              <a:t>8/8/2024</a:t>
+              <a:t>8/14/2024</a:t>
             </a:fld>
             <a:endParaRPr lang="en-US"/>
           </a:p>
@@ -5845,7 +6273,7 @@
           <a:p>
             <a:fld id="{5BCAD085-E8A6-8845-BD4E-CB4CCA059FC4}" type="datetimeFigureOut">
               <a:rPr lang="en-US" smtClean="0"/>
-              <a:t>8/8/2024</a:t>
+              <a:t>8/14/2024</a:t>
             </a:fld>
             <a:endParaRPr lang="en-US"/>
           </a:p>
@@ -6136,7 +6564,7 @@
           <a:p>
             <a:fld id="{5BCAD085-E8A6-8845-BD4E-CB4CCA059FC4}" type="datetimeFigureOut">
               <a:rPr lang="en-US" smtClean="0"/>
-              <a:t>8/8/2024</a:t>
+              <a:t>8/14/2024</a:t>
             </a:fld>
             <a:endParaRPr lang="en-US"/>
           </a:p>
@@ -6666,7 +7094,7 @@
           <a:p>
             <a:fld id="{5BCAD085-E8A6-8845-BD4E-CB4CCA059FC4}" type="datetimeFigureOut">
               <a:rPr lang="en-US" smtClean="0"/>
-              <a:t>8/8/2024</a:t>
+              <a:t>8/14/2024</a:t>
             </a:fld>
             <a:endParaRPr lang="en-US"/>
           </a:p>
@@ -7286,20 +7714,33 @@
             <p:ph type="title"/>
           </p:nvPr>
         </p:nvSpPr>
-        <p:spPr/>
+        <p:spPr>
+          <a:xfrm>
+            <a:off x="1484310" y="95597"/>
+            <a:ext cx="10018713" cy="710738"/>
+          </a:xfrm>
+        </p:spPr>
         <p:txBody>
           <a:bodyPr/>
           <a:lstStyle/>
           <a:p>
             <a:r>
-              <a:t>Evaluating Volunteer Capacity</a:t>
-            </a:r>
-          </a:p>
-        </p:txBody>
-      </p:sp>
-      <p:sp>
-        <p:nvSpPr>
-          <p:cNvPr id="3" name="Content Placeholder 2"/>
+              <a:rPr lang="en-US" dirty="0"/>
+              <a:t>Attribute Matrix</a:t>
+            </a:r>
+            <a:endParaRPr dirty="0"/>
+          </a:p>
+        </p:txBody>
+      </p:sp>
+      <p:sp>
+        <p:nvSpPr>
+          <p:cNvPr id="6" name="Content Placeholder 5">
+            <a:extLst>
+              <a:ext uri="{FF2B5EF4-FFF2-40B4-BE49-F238E27FC236}">
+                <a16:creationId xmlns:a16="http://schemas.microsoft.com/office/drawing/2014/main" id="{5CC7BECD-1557-460E-A170-6FA6BA32CE26}"/>
+              </a:ext>
+            </a:extLst>
+          </p:cNvPr>
           <p:cNvSpPr>
             <a:spLocks noGrp="1"/>
           </p:cNvSpPr>
@@ -7307,61 +7748,116 @@
             <p:ph idx="1"/>
           </p:nvPr>
         </p:nvSpPr>
-        <p:spPr/>
-        <p:txBody>
-          <a:bodyPr/>
+        <p:spPr>
+          <a:xfrm>
+            <a:off x="3591098" y="2028305"/>
+            <a:ext cx="8254538" cy="3762895"/>
+          </a:xfrm>
+        </p:spPr>
+        <p:txBody>
+          <a:bodyPr>
+            <a:normAutofit/>
+          </a:bodyPr>
           <a:lstStyle/>
           <a:p>
             <a:pPr marL="0" indent="0">
               <a:buNone/>
             </a:pPr>
             <a:r>
-              <a:rPr dirty="0"/>
-              <a:t>VCI levels are evaluated based on:</a:t>
-            </a:r>
-          </a:p>
-          <a:p>
-            <a:r>
-              <a:rPr dirty="0"/>
-              <a:t>Background checks</a:t>
-            </a:r>
-            <a:r>
               <a:rPr lang="en-US" dirty="0"/>
-              <a:t> – Every Year</a:t>
-            </a:r>
-            <a:endParaRPr dirty="0"/>
-          </a:p>
-          <a:p>
-            <a:r>
-              <a:rPr dirty="0"/>
-              <a:t>Safety Awareness Training</a:t>
+              <a:t>{% assign </a:t>
+            </a:r>
+            <a:r>
+              <a:rPr lang="en-US" dirty="0" err="1"/>
+              <a:t>vci</a:t>
             </a:r>
             <a:r>
               <a:rPr lang="en-US" dirty="0"/>
-              <a:t> – Every 2 Years</a:t>
-            </a:r>
-            <a:endParaRPr dirty="0"/>
-          </a:p>
-          <a:p>
-            <a:r>
-              <a:rPr dirty="0"/>
-              <a:t>Age-specific requirements</a:t>
+              <a:t> = Person | </a:t>
+            </a:r>
+            <a:r>
+              <a:rPr lang="en-US" dirty="0" err="1"/>
+              <a:t>Attribute:'VCI','Object</a:t>
             </a:r>
             <a:r>
               <a:rPr lang="en-US" dirty="0"/>
-              <a:t> – Must be 18+ for Background Checks</a:t>
-            </a:r>
-            <a:endParaRPr dirty="0"/>
-          </a:p>
-          <a:p>
-            <a:r>
-              <a:rPr dirty="0"/>
-              <a:t>Automated workflows adjust VCI levels as necessary based on these evaluations.</a:t>
+              <a:t>’ %}</a:t>
+            </a:r>
+          </a:p>
+          <a:p>
+            <a:pPr marL="0" indent="0">
+              <a:buNone/>
+            </a:pPr>
+            <a:r>
+              <a:rPr lang="en-US" dirty="0"/>
+              <a:t>{% for item in </a:t>
+            </a:r>
+            <a:r>
+              <a:rPr lang="en-US" dirty="0" err="1"/>
+              <a:t>vci.AttributeMatrixItems</a:t>
+            </a:r>
+            <a:r>
+              <a:rPr lang="en-US" dirty="0"/>
+              <a:t> %}</a:t>
+            </a:r>
+          </a:p>
+          <a:p>
+            <a:pPr marL="0" indent="0">
+              <a:buNone/>
+            </a:pPr>
+            <a:r>
+              <a:rPr lang="en-US" dirty="0"/>
+              <a:t>   {{ </a:t>
+            </a:r>
+            <a:r>
+              <a:rPr lang="en-US" dirty="0" err="1"/>
+              <a:t>vci</a:t>
+            </a:r>
+            <a:r>
+              <a:rPr lang="en-US" dirty="0"/>
+              <a:t> | </a:t>
+            </a:r>
+            <a:r>
+              <a:rPr lang="en-US" dirty="0" err="1"/>
+              <a:t>Attribute:'Level</a:t>
+            </a:r>
+            <a:r>
+              <a:rPr lang="en-US" dirty="0"/>
+              <a:t>’ }}</a:t>
+            </a:r>
+          </a:p>
+          <a:p>
+            <a:pPr marL="0" indent="0">
+              <a:buNone/>
+            </a:pPr>
+            <a:r>
+              <a:rPr lang="en-US" dirty="0"/>
+              <a:t>…</a:t>
+            </a:r>
+            <a:br>
+              <a:rPr lang="en-US" dirty="0"/>
+            </a:br>
+            <a:r>
+              <a:rPr lang="en-US" dirty="0"/>
+              <a:t>{% </a:t>
+            </a:r>
+            <a:r>
+              <a:rPr lang="en-US" dirty="0" err="1"/>
+              <a:t>endfor</a:t>
+            </a:r>
+            <a:r>
+              <a:rPr lang="en-US" dirty="0"/>
+              <a:t> %}</a:t>
             </a:r>
           </a:p>
         </p:txBody>
       </p:sp>
     </p:spTree>
+    <p:extLst>
+      <p:ext uri="{BB962C8B-B14F-4D97-AF65-F5344CB8AC3E}">
+        <p14:creationId xmlns:p14="http://schemas.microsoft.com/office/powerpoint/2010/main" val="3093579907"/>
+      </p:ext>
+    </p:extLst>
   </p:cSld>
   <p:clrMapOvr>
     <a:masterClrMapping/>
@@ -7388,7 +7884,13 @@
       </p:grpSpPr>
       <p:sp>
         <p:nvSpPr>
-          <p:cNvPr id="2" name="Title 1"/>
+          <p:cNvPr id="2" name="Title 1">
+            <a:extLst>
+              <a:ext uri="{FF2B5EF4-FFF2-40B4-BE49-F238E27FC236}">
+                <a16:creationId xmlns:a16="http://schemas.microsoft.com/office/drawing/2014/main" id="{490CF1E3-4D4B-4BEB-9E5B-01DC2A93799C}"/>
+              </a:ext>
+            </a:extLst>
+          </p:cNvPr>
           <p:cNvSpPr>
             <a:spLocks noGrp="1"/>
           </p:cNvSpPr>
@@ -7402,14 +7904,21 @@
           <a:lstStyle/>
           <a:p>
             <a:r>
-              <a:t>Generating Reports</a:t>
-            </a:r>
-          </a:p>
-        </p:txBody>
-      </p:sp>
-      <p:sp>
-        <p:nvSpPr>
-          <p:cNvPr id="3" name="Content Placeholder 2"/>
+              <a:rPr lang="en-US" dirty="0"/>
+              <a:t>Badge</a:t>
+            </a:r>
+          </a:p>
+        </p:txBody>
+      </p:sp>
+      <p:sp>
+        <p:nvSpPr>
+          <p:cNvPr id="3" name="Content Placeholder 2">
+            <a:extLst>
+              <a:ext uri="{FF2B5EF4-FFF2-40B4-BE49-F238E27FC236}">
+                <a16:creationId xmlns:a16="http://schemas.microsoft.com/office/drawing/2014/main" id="{577E64C0-8BB2-4C33-8B8A-6AE794C48E65}"/>
+              </a:ext>
+            </a:extLst>
+          </p:cNvPr>
           <p:cNvSpPr>
             <a:spLocks noGrp="1"/>
           </p:cNvSpPr>
@@ -7417,7 +7926,12 @@
             <p:ph idx="1"/>
           </p:nvPr>
         </p:nvSpPr>
-        <p:spPr/>
+        <p:spPr>
+          <a:xfrm>
+            <a:off x="1484310" y="2667000"/>
+            <a:ext cx="10018713" cy="1073728"/>
+          </a:xfrm>
+        </p:spPr>
         <p:txBody>
           <a:bodyPr/>
           <a:lstStyle/>
@@ -7426,26 +7940,901 @@
               <a:buNone/>
             </a:pPr>
             <a:r>
+              <a:rPr lang="en-US" dirty="0"/>
+              <a:t>Badge shows staff the VCI level of the person.</a:t>
+            </a:r>
+          </a:p>
+          <a:p>
+            <a:pPr marL="0" indent="0">
+              <a:buNone/>
+            </a:pPr>
+            <a:r>
+              <a:rPr lang="en-US" dirty="0"/>
+              <a:t>Doesn’t give them details of why.</a:t>
+            </a:r>
+          </a:p>
+        </p:txBody>
+      </p:sp>
+      <p:pic>
+        <p:nvPicPr>
+          <p:cNvPr id="5" name="Picture 4">
+            <a:extLst>
+              <a:ext uri="{FF2B5EF4-FFF2-40B4-BE49-F238E27FC236}">
+                <a16:creationId xmlns:a16="http://schemas.microsoft.com/office/drawing/2014/main" id="{70B60EBD-FA8D-47AB-8C4D-A1697C127D11}"/>
+              </a:ext>
+            </a:extLst>
+          </p:cNvPr>
+          <p:cNvPicPr>
+            <a:picLocks noChangeAspect="1"/>
+          </p:cNvPicPr>
+          <p:nvPr/>
+        </p:nvPicPr>
+        <p:blipFill>
+          <a:blip r:embed="rId2"/>
+          <a:stretch>
+            <a:fillRect/>
+          </a:stretch>
+        </p:blipFill>
+        <p:spPr>
+          <a:xfrm>
+            <a:off x="1484311" y="3969329"/>
+            <a:ext cx="4363059" cy="1781424"/>
+          </a:xfrm>
+          <a:prstGeom prst="rect">
+            <a:avLst/>
+          </a:prstGeom>
+        </p:spPr>
+      </p:pic>
+      <p:pic>
+        <p:nvPicPr>
+          <p:cNvPr id="9" name="Picture 8">
+            <a:extLst>
+              <a:ext uri="{FF2B5EF4-FFF2-40B4-BE49-F238E27FC236}">
+                <a16:creationId xmlns:a16="http://schemas.microsoft.com/office/drawing/2014/main" id="{4AECF56B-CF1F-4CD6-A8A4-69CF817464B6}"/>
+              </a:ext>
+            </a:extLst>
+          </p:cNvPr>
+          <p:cNvPicPr>
+            <a:picLocks noChangeAspect="1"/>
+          </p:cNvPicPr>
+          <p:nvPr/>
+        </p:nvPicPr>
+        <p:blipFill>
+          <a:blip r:embed="rId3"/>
+          <a:stretch>
+            <a:fillRect/>
+          </a:stretch>
+        </p:blipFill>
+        <p:spPr>
+          <a:xfrm>
+            <a:off x="2821267" y="5179142"/>
+            <a:ext cx="3905795" cy="1600423"/>
+          </a:xfrm>
+          <a:prstGeom prst="rect">
+            <a:avLst/>
+          </a:prstGeom>
+        </p:spPr>
+      </p:pic>
+      <p:pic>
+        <p:nvPicPr>
+          <p:cNvPr id="7" name="Picture 6">
+            <a:extLst>
+              <a:ext uri="{FF2B5EF4-FFF2-40B4-BE49-F238E27FC236}">
+                <a16:creationId xmlns:a16="http://schemas.microsoft.com/office/drawing/2014/main" id="{CFB4B398-B527-48DC-8D02-426404B1ED2B}"/>
+              </a:ext>
+            </a:extLst>
+          </p:cNvPr>
+          <p:cNvPicPr>
+            <a:picLocks noChangeAspect="1"/>
+          </p:cNvPicPr>
+          <p:nvPr/>
+        </p:nvPicPr>
+        <p:blipFill>
+          <a:blip r:embed="rId4"/>
+          <a:stretch>
+            <a:fillRect/>
+          </a:stretch>
+        </p:blipFill>
+        <p:spPr>
+          <a:xfrm>
+            <a:off x="5483020" y="4093156"/>
+            <a:ext cx="3962953" cy="1448002"/>
+          </a:xfrm>
+          <a:prstGeom prst="rect">
+            <a:avLst/>
+          </a:prstGeom>
+        </p:spPr>
+      </p:pic>
+      <p:pic>
+        <p:nvPicPr>
+          <p:cNvPr id="6" name="Picture 5">
+            <a:extLst>
+              <a:ext uri="{FF2B5EF4-FFF2-40B4-BE49-F238E27FC236}">
+                <a16:creationId xmlns:a16="http://schemas.microsoft.com/office/drawing/2014/main" id="{FA5240C8-02B8-464E-88C1-8F9470CE1F53}"/>
+              </a:ext>
+            </a:extLst>
+          </p:cNvPr>
+          <p:cNvPicPr>
+            <a:picLocks noChangeAspect="1"/>
+          </p:cNvPicPr>
+          <p:nvPr/>
+        </p:nvPicPr>
+        <p:blipFill>
+          <a:blip r:embed="rId5"/>
+          <a:stretch>
+            <a:fillRect/>
+          </a:stretch>
+        </p:blipFill>
+        <p:spPr>
+          <a:xfrm>
+            <a:off x="7702789" y="5033358"/>
+            <a:ext cx="3896269" cy="1686160"/>
+          </a:xfrm>
+          <a:prstGeom prst="rect">
+            <a:avLst/>
+          </a:prstGeom>
+        </p:spPr>
+      </p:pic>
+    </p:spTree>
+    <p:extLst>
+      <p:ext uri="{BB962C8B-B14F-4D97-AF65-F5344CB8AC3E}">
+        <p14:creationId xmlns:p14="http://schemas.microsoft.com/office/powerpoint/2010/main" val="3827452496"/>
+      </p:ext>
+    </p:extLst>
+  </p:cSld>
+  <p:clrMapOvr>
+    <a:masterClrMapping/>
+  </p:clrMapOvr>
+  <p:timing>
+    <p:tnLst>
+      <p:par>
+        <p:cTn id="1" dur="indefinite" restart="never" nodeType="tmRoot">
+          <p:childTnLst>
+            <p:seq concurrent="1" nextAc="seek">
+              <p:cTn id="2" dur="indefinite" nodeType="mainSeq">
+                <p:childTnLst>
+                  <p:par>
+                    <p:cTn id="3" fill="hold">
+                      <p:stCondLst>
+                        <p:cond delay="indefinite"/>
+                      </p:stCondLst>
+                      <p:childTnLst>
+                        <p:par>
+                          <p:cTn id="4" fill="hold">
+                            <p:stCondLst>
+                              <p:cond delay="0"/>
+                            </p:stCondLst>
+                            <p:childTnLst>
+                              <p:par>
+                                <p:cTn id="5" presetID="10" presetClass="entr" presetSubtype="0" fill="hold" nodeType="clickEffect">
+                                  <p:stCondLst>
+                                    <p:cond delay="0"/>
+                                  </p:stCondLst>
+                                  <p:childTnLst>
+                                    <p:set>
+                                      <p:cBhvr>
+                                        <p:cTn id="6" dur="1" fill="hold">
+                                          <p:stCondLst>
+                                            <p:cond delay="0"/>
+                                          </p:stCondLst>
+                                        </p:cTn>
+                                        <p:tgtEl>
+                                          <p:spTgt spid="5"/>
+                                        </p:tgtEl>
+                                        <p:attrNameLst>
+                                          <p:attrName>style.visibility</p:attrName>
+                                        </p:attrNameLst>
+                                      </p:cBhvr>
+                                      <p:to>
+                                        <p:strVal val="visible"/>
+                                      </p:to>
+                                    </p:set>
+                                    <p:animEffect transition="in" filter="fade">
+                                      <p:cBhvr>
+                                        <p:cTn id="7" dur="500"/>
+                                        <p:tgtEl>
+                                          <p:spTgt spid="5"/>
+                                        </p:tgtEl>
+                                      </p:cBhvr>
+                                    </p:animEffect>
+                                  </p:childTnLst>
+                                </p:cTn>
+                              </p:par>
+                            </p:childTnLst>
+                          </p:cTn>
+                        </p:par>
+                      </p:childTnLst>
+                    </p:cTn>
+                  </p:par>
+                  <p:par>
+                    <p:cTn id="8" fill="hold">
+                      <p:stCondLst>
+                        <p:cond delay="indefinite"/>
+                      </p:stCondLst>
+                      <p:childTnLst>
+                        <p:par>
+                          <p:cTn id="9" fill="hold">
+                            <p:stCondLst>
+                              <p:cond delay="0"/>
+                            </p:stCondLst>
+                            <p:childTnLst>
+                              <p:par>
+                                <p:cTn id="10" presetID="10" presetClass="entr" presetSubtype="0" fill="hold" nodeType="clickEffect">
+                                  <p:stCondLst>
+                                    <p:cond delay="0"/>
+                                  </p:stCondLst>
+                                  <p:childTnLst>
+                                    <p:set>
+                                      <p:cBhvr>
+                                        <p:cTn id="11" dur="1" fill="hold">
+                                          <p:stCondLst>
+                                            <p:cond delay="0"/>
+                                          </p:stCondLst>
+                                        </p:cTn>
+                                        <p:tgtEl>
+                                          <p:spTgt spid="9"/>
+                                        </p:tgtEl>
+                                        <p:attrNameLst>
+                                          <p:attrName>style.visibility</p:attrName>
+                                        </p:attrNameLst>
+                                      </p:cBhvr>
+                                      <p:to>
+                                        <p:strVal val="visible"/>
+                                      </p:to>
+                                    </p:set>
+                                    <p:animEffect transition="in" filter="fade">
+                                      <p:cBhvr>
+                                        <p:cTn id="12" dur="500"/>
+                                        <p:tgtEl>
+                                          <p:spTgt spid="9"/>
+                                        </p:tgtEl>
+                                      </p:cBhvr>
+                                    </p:animEffect>
+                                  </p:childTnLst>
+                                </p:cTn>
+                              </p:par>
+                            </p:childTnLst>
+                          </p:cTn>
+                        </p:par>
+                      </p:childTnLst>
+                    </p:cTn>
+                  </p:par>
+                  <p:par>
+                    <p:cTn id="13" fill="hold">
+                      <p:stCondLst>
+                        <p:cond delay="indefinite"/>
+                      </p:stCondLst>
+                      <p:childTnLst>
+                        <p:par>
+                          <p:cTn id="14" fill="hold">
+                            <p:stCondLst>
+                              <p:cond delay="0"/>
+                            </p:stCondLst>
+                            <p:childTnLst>
+                              <p:par>
+                                <p:cTn id="15" presetID="10" presetClass="entr" presetSubtype="0" fill="hold" nodeType="clickEffect">
+                                  <p:stCondLst>
+                                    <p:cond delay="0"/>
+                                  </p:stCondLst>
+                                  <p:childTnLst>
+                                    <p:set>
+                                      <p:cBhvr>
+                                        <p:cTn id="16" dur="1" fill="hold">
+                                          <p:stCondLst>
+                                            <p:cond delay="0"/>
+                                          </p:stCondLst>
+                                        </p:cTn>
+                                        <p:tgtEl>
+                                          <p:spTgt spid="7"/>
+                                        </p:tgtEl>
+                                        <p:attrNameLst>
+                                          <p:attrName>style.visibility</p:attrName>
+                                        </p:attrNameLst>
+                                      </p:cBhvr>
+                                      <p:to>
+                                        <p:strVal val="visible"/>
+                                      </p:to>
+                                    </p:set>
+                                    <p:animEffect transition="in" filter="fade">
+                                      <p:cBhvr>
+                                        <p:cTn id="17" dur="500"/>
+                                        <p:tgtEl>
+                                          <p:spTgt spid="7"/>
+                                        </p:tgtEl>
+                                      </p:cBhvr>
+                                    </p:animEffect>
+                                  </p:childTnLst>
+                                </p:cTn>
+                              </p:par>
+                            </p:childTnLst>
+                          </p:cTn>
+                        </p:par>
+                      </p:childTnLst>
+                    </p:cTn>
+                  </p:par>
+                  <p:par>
+                    <p:cTn id="18" fill="hold">
+                      <p:stCondLst>
+                        <p:cond delay="indefinite"/>
+                      </p:stCondLst>
+                      <p:childTnLst>
+                        <p:par>
+                          <p:cTn id="19" fill="hold">
+                            <p:stCondLst>
+                              <p:cond delay="0"/>
+                            </p:stCondLst>
+                            <p:childTnLst>
+                              <p:par>
+                                <p:cTn id="20" presetID="10" presetClass="entr" presetSubtype="0" fill="hold" nodeType="clickEffect">
+                                  <p:stCondLst>
+                                    <p:cond delay="0"/>
+                                  </p:stCondLst>
+                                  <p:childTnLst>
+                                    <p:set>
+                                      <p:cBhvr>
+                                        <p:cTn id="21" dur="1" fill="hold">
+                                          <p:stCondLst>
+                                            <p:cond delay="0"/>
+                                          </p:stCondLst>
+                                        </p:cTn>
+                                        <p:tgtEl>
+                                          <p:spTgt spid="6"/>
+                                        </p:tgtEl>
+                                        <p:attrNameLst>
+                                          <p:attrName>style.visibility</p:attrName>
+                                        </p:attrNameLst>
+                                      </p:cBhvr>
+                                      <p:to>
+                                        <p:strVal val="visible"/>
+                                      </p:to>
+                                    </p:set>
+                                    <p:animEffect transition="in" filter="fade">
+                                      <p:cBhvr>
+                                        <p:cTn id="22" dur="500"/>
+                                        <p:tgtEl>
+                                          <p:spTgt spid="6"/>
+                                        </p:tgtEl>
+                                      </p:cBhvr>
+                                    </p:animEffect>
+                                  </p:childTnLst>
+                                </p:cTn>
+                              </p:par>
+                            </p:childTnLst>
+                          </p:cTn>
+                        </p:par>
+                      </p:childTnLst>
+                    </p:cTn>
+                  </p:par>
+                </p:childTnLst>
+              </p:cTn>
+              <p:prevCondLst>
+                <p:cond evt="onPrev" delay="0">
+                  <p:tgtEl>
+                    <p:sldTgt/>
+                  </p:tgtEl>
+                </p:cond>
+              </p:prevCondLst>
+              <p:nextCondLst>
+                <p:cond evt="onNext" delay="0">
+                  <p:tgtEl>
+                    <p:sldTgt/>
+                  </p:tgtEl>
+                </p:cond>
+              </p:nextCondLst>
+            </p:seq>
+          </p:childTnLst>
+        </p:cTn>
+      </p:par>
+    </p:tnLst>
+  </p:timing>
+</p:sld>
+</file>
+
+<file path=ppt/slides/slide12.xml><?xml version="1.0" encoding="utf-8"?>
+<p:sld xmlns:a="http://schemas.openxmlformats.org/drawingml/2006/main" xmlns:r="http://schemas.openxmlformats.org/officeDocument/2006/relationships" xmlns:p="http://schemas.openxmlformats.org/presentationml/2006/main">
+  <p:cSld>
+    <p:spTree>
+      <p:nvGrpSpPr>
+        <p:cNvPr id="1" name=""/>
+        <p:cNvGrpSpPr/>
+        <p:nvPr/>
+      </p:nvGrpSpPr>
+      <p:grpSpPr>
+        <a:xfrm>
+          <a:off x="0" y="0"/>
+          <a:ext cx="0" cy="0"/>
+          <a:chOff x="0" y="0"/>
+          <a:chExt cx="0" cy="0"/>
+        </a:xfrm>
+      </p:grpSpPr>
+      <p:sp>
+        <p:nvSpPr>
+          <p:cNvPr id="2" name="Title 1">
+            <a:extLst>
+              <a:ext uri="{FF2B5EF4-FFF2-40B4-BE49-F238E27FC236}">
+                <a16:creationId xmlns:a16="http://schemas.microsoft.com/office/drawing/2014/main" id="{490CF1E3-4D4B-4BEB-9E5B-01DC2A93799C}"/>
+              </a:ext>
+            </a:extLst>
+          </p:cNvPr>
+          <p:cNvSpPr>
+            <a:spLocks noGrp="1"/>
+          </p:cNvSpPr>
+          <p:nvPr>
+            <p:ph type="title"/>
+          </p:nvPr>
+        </p:nvSpPr>
+        <p:spPr>
+          <a:xfrm>
+            <a:off x="1484311" y="220288"/>
+            <a:ext cx="10018713" cy="635924"/>
+          </a:xfrm>
+        </p:spPr>
+        <p:txBody>
+          <a:bodyPr>
+            <a:normAutofit fontScale="90000"/>
+          </a:bodyPr>
+          <a:lstStyle/>
+          <a:p>
+            <a:r>
+              <a:rPr lang="en-US" dirty="0"/>
+              <a:t>Badge</a:t>
+            </a:r>
+          </a:p>
+        </p:txBody>
+      </p:sp>
+      <p:pic>
+        <p:nvPicPr>
+          <p:cNvPr id="11" name="Picture 10">
+            <a:extLst>
+              <a:ext uri="{FF2B5EF4-FFF2-40B4-BE49-F238E27FC236}">
+                <a16:creationId xmlns:a16="http://schemas.microsoft.com/office/drawing/2014/main" id="{EF6401B8-5EBD-4DD9-91FF-6C6481D4CD1C}"/>
+              </a:ext>
+            </a:extLst>
+          </p:cNvPr>
+          <p:cNvPicPr>
+            <a:picLocks noChangeAspect="1"/>
+          </p:cNvPicPr>
+          <p:nvPr/>
+        </p:nvPicPr>
+        <p:blipFill>
+          <a:blip r:embed="rId2"/>
+          <a:stretch>
+            <a:fillRect/>
+          </a:stretch>
+        </p:blipFill>
+        <p:spPr>
+          <a:xfrm>
+            <a:off x="2067539" y="935182"/>
+            <a:ext cx="9802593" cy="5553850"/>
+          </a:xfrm>
+          <a:prstGeom prst="rect">
+            <a:avLst/>
+          </a:prstGeom>
+        </p:spPr>
+      </p:pic>
+    </p:spTree>
+    <p:extLst>
+      <p:ext uri="{BB962C8B-B14F-4D97-AF65-F5344CB8AC3E}">
+        <p14:creationId xmlns:p14="http://schemas.microsoft.com/office/powerpoint/2010/main" val="4041948609"/>
+      </p:ext>
+    </p:extLst>
+  </p:cSld>
+  <p:clrMapOvr>
+    <a:masterClrMapping/>
+  </p:clrMapOvr>
+</p:sld>
+</file>
+
+<file path=ppt/slides/slide13.xml><?xml version="1.0" encoding="utf-8"?>
+<p:sld xmlns:a="http://schemas.openxmlformats.org/drawingml/2006/main" xmlns:r="http://schemas.openxmlformats.org/officeDocument/2006/relationships" xmlns:p="http://schemas.openxmlformats.org/presentationml/2006/main">
+  <p:cSld>
+    <p:spTree>
+      <p:nvGrpSpPr>
+        <p:cNvPr id="1" name=""/>
+        <p:cNvGrpSpPr/>
+        <p:nvPr/>
+      </p:nvGrpSpPr>
+      <p:grpSpPr>
+        <a:xfrm>
+          <a:off x="0" y="0"/>
+          <a:ext cx="0" cy="0"/>
+          <a:chOff x="0" y="0"/>
+          <a:chExt cx="0" cy="0"/>
+        </a:xfrm>
+      </p:grpSpPr>
+      <p:sp>
+        <p:nvSpPr>
+          <p:cNvPr id="2" name="Title 1"/>
+          <p:cNvSpPr>
+            <a:spLocks noGrp="1"/>
+          </p:cNvSpPr>
+          <p:nvPr>
+            <p:ph type="title"/>
+          </p:nvPr>
+        </p:nvSpPr>
+        <p:spPr/>
+        <p:txBody>
+          <a:bodyPr/>
+          <a:lstStyle/>
+          <a:p>
+            <a:r>
+              <a:t>Automating the VCI Process</a:t>
+            </a:r>
+          </a:p>
+        </p:txBody>
+      </p:sp>
+      <p:sp>
+        <p:nvSpPr>
+          <p:cNvPr id="3" name="Content Placeholder 2"/>
+          <p:cNvSpPr>
+            <a:spLocks noGrp="1"/>
+          </p:cNvSpPr>
+          <p:nvPr>
+            <p:ph idx="1"/>
+          </p:nvPr>
+        </p:nvSpPr>
+        <p:spPr/>
+        <p:txBody>
+          <a:bodyPr>
+            <a:normAutofit/>
+          </a:bodyPr>
+          <a:lstStyle/>
+          <a:p>
+            <a:pPr marL="0" indent="0">
+              <a:buNone/>
+            </a:pPr>
+            <a:r>
               <a:rPr dirty="0"/>
-              <a:t>Create dynamic reports to monitor VCI statuses:</a:t>
-            </a:r>
-          </a:p>
-          <a:p>
+              <a:t>The VCI process can be automated using workflows and job triggers:</a:t>
+            </a:r>
+          </a:p>
+          <a:p>
+            <a:pPr marL="457200" indent="-457200">
+              <a:buFont typeface="+mj-lt"/>
+              <a:buAutoNum type="arabicPeriod"/>
+            </a:pPr>
             <a:r>
               <a:rPr dirty="0"/>
-              <a:t>Use SQL queries to filter and sort VCI data.</a:t>
-            </a:r>
-          </a:p>
-          <a:p>
+              <a:t>Notifications are sent when a volunteer's VCI changes or expires.</a:t>
+            </a:r>
+          </a:p>
+          <a:p>
+            <a:pPr marL="457200" indent="-457200">
+              <a:buFont typeface="+mj-lt"/>
+              <a:buAutoNum type="arabicPeriod"/>
+            </a:pPr>
             <a:r>
               <a:rPr dirty="0"/>
-              <a:t>Generate reports on evaluation dates and automated changes.</a:t>
-            </a:r>
-          </a:p>
-          <a:p>
+              <a:t>Automation updates the VCI level upon expiration and triggers necessary notifications.</a:t>
+            </a:r>
+          </a:p>
+        </p:txBody>
+      </p:sp>
+    </p:spTree>
+  </p:cSld>
+  <p:clrMapOvr>
+    <a:masterClrMapping/>
+  </p:clrMapOvr>
+  <p:timing>
+    <p:tnLst>
+      <p:par>
+        <p:cTn id="1" dur="indefinite" restart="never" nodeType="tmRoot">
+          <p:childTnLst>
+            <p:seq concurrent="1" nextAc="seek">
+              <p:cTn id="2" dur="indefinite" nodeType="mainSeq">
+                <p:childTnLst>
+                  <p:par>
+                    <p:cTn id="3" fill="hold">
+                      <p:stCondLst>
+                        <p:cond delay="indefinite"/>
+                        <p:cond evt="onBegin" delay="0">
+                          <p:tn val="2"/>
+                        </p:cond>
+                      </p:stCondLst>
+                      <p:childTnLst>
+                        <p:par>
+                          <p:cTn id="4" fill="hold">
+                            <p:stCondLst>
+                              <p:cond delay="0"/>
+                            </p:stCondLst>
+                            <p:childTnLst>
+                              <p:par>
+                                <p:cTn id="5" presetID="10" presetClass="entr" presetSubtype="0" fill="hold" grpId="0" nodeType="withEffect">
+                                  <p:stCondLst>
+                                    <p:cond delay="0"/>
+                                  </p:stCondLst>
+                                  <p:childTnLst>
+                                    <p:set>
+                                      <p:cBhvr>
+                                        <p:cTn id="6" dur="1" fill="hold">
+                                          <p:stCondLst>
+                                            <p:cond delay="0"/>
+                                          </p:stCondLst>
+                                        </p:cTn>
+                                        <p:tgtEl>
+                                          <p:spTgt spid="3">
+                                            <p:txEl>
+                                              <p:pRg st="0" end="0"/>
+                                            </p:txEl>
+                                          </p:spTgt>
+                                        </p:tgtEl>
+                                        <p:attrNameLst>
+                                          <p:attrName>style.visibility</p:attrName>
+                                        </p:attrNameLst>
+                                      </p:cBhvr>
+                                      <p:to>
+                                        <p:strVal val="visible"/>
+                                      </p:to>
+                                    </p:set>
+                                    <p:animEffect transition="in" filter="fade">
+                                      <p:cBhvr>
+                                        <p:cTn id="7" dur="500"/>
+                                        <p:tgtEl>
+                                          <p:spTgt spid="3">
+                                            <p:txEl>
+                                              <p:pRg st="0" end="0"/>
+                                            </p:txEl>
+                                          </p:spTgt>
+                                        </p:tgtEl>
+                                      </p:cBhvr>
+                                    </p:animEffect>
+                                  </p:childTnLst>
+                                </p:cTn>
+                              </p:par>
+                            </p:childTnLst>
+                          </p:cTn>
+                        </p:par>
+                      </p:childTnLst>
+                    </p:cTn>
+                  </p:par>
+                  <p:par>
+                    <p:cTn id="8" fill="hold">
+                      <p:stCondLst>
+                        <p:cond delay="indefinite"/>
+                      </p:stCondLst>
+                      <p:childTnLst>
+                        <p:par>
+                          <p:cTn id="9" fill="hold">
+                            <p:stCondLst>
+                              <p:cond delay="0"/>
+                            </p:stCondLst>
+                            <p:childTnLst>
+                              <p:par>
+                                <p:cTn id="10" presetID="10" presetClass="entr" presetSubtype="0" fill="hold" grpId="0" nodeType="clickEffect">
+                                  <p:stCondLst>
+                                    <p:cond delay="0"/>
+                                  </p:stCondLst>
+                                  <p:childTnLst>
+                                    <p:set>
+                                      <p:cBhvr>
+                                        <p:cTn id="11" dur="1" fill="hold">
+                                          <p:stCondLst>
+                                            <p:cond delay="0"/>
+                                          </p:stCondLst>
+                                        </p:cTn>
+                                        <p:tgtEl>
+                                          <p:spTgt spid="3">
+                                            <p:txEl>
+                                              <p:pRg st="1" end="1"/>
+                                            </p:txEl>
+                                          </p:spTgt>
+                                        </p:tgtEl>
+                                        <p:attrNameLst>
+                                          <p:attrName>style.visibility</p:attrName>
+                                        </p:attrNameLst>
+                                      </p:cBhvr>
+                                      <p:to>
+                                        <p:strVal val="visible"/>
+                                      </p:to>
+                                    </p:set>
+                                    <p:animEffect transition="in" filter="fade">
+                                      <p:cBhvr>
+                                        <p:cTn id="12" dur="500"/>
+                                        <p:tgtEl>
+                                          <p:spTgt spid="3">
+                                            <p:txEl>
+                                              <p:pRg st="1" end="1"/>
+                                            </p:txEl>
+                                          </p:spTgt>
+                                        </p:tgtEl>
+                                      </p:cBhvr>
+                                    </p:animEffect>
+                                  </p:childTnLst>
+                                </p:cTn>
+                              </p:par>
+                            </p:childTnLst>
+                          </p:cTn>
+                        </p:par>
+                      </p:childTnLst>
+                    </p:cTn>
+                  </p:par>
+                  <p:par>
+                    <p:cTn id="13" fill="hold">
+                      <p:stCondLst>
+                        <p:cond delay="indefinite"/>
+                      </p:stCondLst>
+                      <p:childTnLst>
+                        <p:par>
+                          <p:cTn id="14" fill="hold">
+                            <p:stCondLst>
+                              <p:cond delay="0"/>
+                            </p:stCondLst>
+                            <p:childTnLst>
+                              <p:par>
+                                <p:cTn id="15" presetID="10" presetClass="entr" presetSubtype="0" fill="hold" grpId="0" nodeType="clickEffect">
+                                  <p:stCondLst>
+                                    <p:cond delay="0"/>
+                                  </p:stCondLst>
+                                  <p:childTnLst>
+                                    <p:set>
+                                      <p:cBhvr>
+                                        <p:cTn id="16" dur="1" fill="hold">
+                                          <p:stCondLst>
+                                            <p:cond delay="0"/>
+                                          </p:stCondLst>
+                                        </p:cTn>
+                                        <p:tgtEl>
+                                          <p:spTgt spid="3">
+                                            <p:txEl>
+                                              <p:pRg st="2" end="2"/>
+                                            </p:txEl>
+                                          </p:spTgt>
+                                        </p:tgtEl>
+                                        <p:attrNameLst>
+                                          <p:attrName>style.visibility</p:attrName>
+                                        </p:attrNameLst>
+                                      </p:cBhvr>
+                                      <p:to>
+                                        <p:strVal val="visible"/>
+                                      </p:to>
+                                    </p:set>
+                                    <p:animEffect transition="in" filter="fade">
+                                      <p:cBhvr>
+                                        <p:cTn id="17" dur="500"/>
+                                        <p:tgtEl>
+                                          <p:spTgt spid="3">
+                                            <p:txEl>
+                                              <p:pRg st="2" end="2"/>
+                                            </p:txEl>
+                                          </p:spTgt>
+                                        </p:tgtEl>
+                                      </p:cBhvr>
+                                    </p:animEffect>
+                                  </p:childTnLst>
+                                </p:cTn>
+                              </p:par>
+                            </p:childTnLst>
+                          </p:cTn>
+                        </p:par>
+                      </p:childTnLst>
+                    </p:cTn>
+                  </p:par>
+                </p:childTnLst>
+              </p:cTn>
+              <p:prevCondLst>
+                <p:cond evt="onPrev" delay="0">
+                  <p:tgtEl>
+                    <p:sldTgt/>
+                  </p:tgtEl>
+                </p:cond>
+              </p:prevCondLst>
+              <p:nextCondLst>
+                <p:cond evt="onNext" delay="0">
+                  <p:tgtEl>
+                    <p:sldTgt/>
+                  </p:tgtEl>
+                </p:cond>
+              </p:nextCondLst>
+            </p:seq>
+          </p:childTnLst>
+        </p:cTn>
+      </p:par>
+    </p:tnLst>
+    <p:bldLst>
+      <p:bldP spid="3" grpId="0" uiExpand="1" build="p"/>
+    </p:bldLst>
+  </p:timing>
+</p:sld>
+</file>
+
+<file path=ppt/slides/slide14.xml><?xml version="1.0" encoding="utf-8"?>
+<p:sld xmlns:a="http://schemas.openxmlformats.org/drawingml/2006/main" xmlns:r="http://schemas.openxmlformats.org/officeDocument/2006/relationships" xmlns:p="http://schemas.openxmlformats.org/presentationml/2006/main">
+  <p:cSld>
+    <p:spTree>
+      <p:nvGrpSpPr>
+        <p:cNvPr id="1" name=""/>
+        <p:cNvGrpSpPr/>
+        <p:nvPr/>
+      </p:nvGrpSpPr>
+      <p:grpSpPr>
+        <a:xfrm>
+          <a:off x="0" y="0"/>
+          <a:ext cx="0" cy="0"/>
+          <a:chOff x="0" y="0"/>
+          <a:chExt cx="0" cy="0"/>
+        </a:xfrm>
+      </p:grpSpPr>
+      <p:sp>
+        <p:nvSpPr>
+          <p:cNvPr id="2" name="Title 1"/>
+          <p:cNvSpPr>
+            <a:spLocks noGrp="1"/>
+          </p:cNvSpPr>
+          <p:nvPr>
+            <p:ph type="title"/>
+          </p:nvPr>
+        </p:nvSpPr>
+        <p:spPr/>
+        <p:txBody>
+          <a:bodyPr/>
+          <a:lstStyle/>
+          <a:p>
+            <a:r>
+              <a:t>Evaluating Volunteer Capacity</a:t>
+            </a:r>
+          </a:p>
+        </p:txBody>
+      </p:sp>
+      <p:sp>
+        <p:nvSpPr>
+          <p:cNvPr id="3" name="Content Placeholder 2"/>
+          <p:cNvSpPr>
+            <a:spLocks noGrp="1"/>
+          </p:cNvSpPr>
+          <p:nvPr>
+            <p:ph idx="1"/>
+          </p:nvPr>
+        </p:nvSpPr>
+        <p:spPr/>
+        <p:txBody>
+          <a:bodyPr/>
+          <a:lstStyle/>
+          <a:p>
+            <a:pPr marL="0" indent="0">
+              <a:buNone/>
+            </a:pPr>
             <a:r>
               <a:rPr dirty="0"/>
-              <a:t>Customize reports to fit the needs of your ministry.</a:t>
+              <a:t>VCI levels are evaluated based on:</a:t>
+            </a:r>
+          </a:p>
+          <a:p>
+            <a:r>
+              <a:rPr dirty="0"/>
+              <a:t>Background checks</a:t>
+            </a:r>
+            <a:r>
+              <a:rPr lang="en-US" dirty="0"/>
+              <a:t> – Every Year</a:t>
+            </a:r>
+            <a:endParaRPr dirty="0"/>
+          </a:p>
+          <a:p>
+            <a:r>
+              <a:rPr dirty="0"/>
+              <a:t>Safety Awareness Training</a:t>
+            </a:r>
+            <a:r>
+              <a:rPr lang="en-US" dirty="0"/>
+              <a:t> – Every 2 Years</a:t>
+            </a:r>
+            <a:endParaRPr dirty="0"/>
+          </a:p>
+          <a:p>
+            <a:r>
+              <a:rPr dirty="0"/>
+              <a:t>Age-specific requirements</a:t>
+            </a:r>
+            <a:r>
+              <a:rPr lang="en-US" dirty="0"/>
+              <a:t> – Must be 18+ for Background Checks</a:t>
+            </a:r>
+            <a:endParaRPr dirty="0"/>
+          </a:p>
+          <a:p>
+            <a:r>
+              <a:rPr dirty="0"/>
+              <a:t>Automated workflows adjust VCI levels as necessary based on these evaluations.</a:t>
             </a:r>
           </a:p>
         </p:txBody>
@@ -7458,7 +8847,96 @@
 </p:sld>
 </file>
 
-<file path=ppt/slides/slide12.xml><?xml version="1.0" encoding="utf-8"?>
+<file path=ppt/slides/slide15.xml><?xml version="1.0" encoding="utf-8"?>
+<p:sld xmlns:a="http://schemas.openxmlformats.org/drawingml/2006/main" xmlns:r="http://schemas.openxmlformats.org/officeDocument/2006/relationships" xmlns:p="http://schemas.openxmlformats.org/presentationml/2006/main">
+  <p:cSld>
+    <p:spTree>
+      <p:nvGrpSpPr>
+        <p:cNvPr id="1" name=""/>
+        <p:cNvGrpSpPr/>
+        <p:nvPr/>
+      </p:nvGrpSpPr>
+      <p:grpSpPr>
+        <a:xfrm>
+          <a:off x="0" y="0"/>
+          <a:ext cx="0" cy="0"/>
+          <a:chOff x="0" y="0"/>
+          <a:chExt cx="0" cy="0"/>
+        </a:xfrm>
+      </p:grpSpPr>
+      <p:sp>
+        <p:nvSpPr>
+          <p:cNvPr id="2" name="Title 1"/>
+          <p:cNvSpPr>
+            <a:spLocks noGrp="1"/>
+          </p:cNvSpPr>
+          <p:nvPr>
+            <p:ph type="title"/>
+          </p:nvPr>
+        </p:nvSpPr>
+        <p:spPr/>
+        <p:txBody>
+          <a:bodyPr/>
+          <a:lstStyle/>
+          <a:p>
+            <a:r>
+              <a:t>Generating Reports</a:t>
+            </a:r>
+          </a:p>
+        </p:txBody>
+      </p:sp>
+      <p:sp>
+        <p:nvSpPr>
+          <p:cNvPr id="3" name="Content Placeholder 2"/>
+          <p:cNvSpPr>
+            <a:spLocks noGrp="1"/>
+          </p:cNvSpPr>
+          <p:nvPr>
+            <p:ph idx="1"/>
+          </p:nvPr>
+        </p:nvSpPr>
+        <p:spPr/>
+        <p:txBody>
+          <a:bodyPr/>
+          <a:lstStyle/>
+          <a:p>
+            <a:pPr marL="0" indent="0">
+              <a:buNone/>
+            </a:pPr>
+            <a:r>
+              <a:rPr dirty="0"/>
+              <a:t>Create dynamic reports to monitor VCI statuses:</a:t>
+            </a:r>
+          </a:p>
+          <a:p>
+            <a:r>
+              <a:rPr dirty="0"/>
+              <a:t>Use SQL queries to filter and sort VCI data.</a:t>
+            </a:r>
+          </a:p>
+          <a:p>
+            <a:r>
+              <a:rPr dirty="0"/>
+              <a:t>Generate reports on evaluation dates and automated changes.</a:t>
+            </a:r>
+          </a:p>
+          <a:p>
+            <a:r>
+              <a:rPr dirty="0"/>
+              <a:t>Customize reports to fit the needs of your ministry.</a:t>
+            </a:r>
+          </a:p>
+        </p:txBody>
+      </p:sp>
+    </p:spTree>
+  </p:cSld>
+  <p:clrMapOvr>
+    <a:masterClrMapping/>
+  </p:clrMapOvr>
+</p:sld>
+</file>
+
+<file path=ppt/slides/slide16.xml><?xml version="1.0" encoding="utf-8"?>
 <p:sld xmlns:a="http://schemas.openxmlformats.org/drawingml/2006/main" xmlns:r="http://schemas.openxmlformats.org/officeDocument/2006/relationships" xmlns:p="http://schemas.openxmlformats.org/presentationml/2006/main">
   <p:cSld>
     <p:spTree>
@@ -7538,7 +9016,7 @@
 </p:sld>
 </file>
 
-<file path=ppt/slides/slide13.xml><?xml version="1.0" encoding="utf-8"?>
+<file path=ppt/slides/slide17.xml><?xml version="1.0" encoding="utf-8"?>
 <p:sld xmlns:a="http://schemas.openxmlformats.org/drawingml/2006/main" xmlns:r="http://schemas.openxmlformats.org/officeDocument/2006/relationships" xmlns:p="http://schemas.openxmlformats.org/presentationml/2006/main">
   <p:cSld>
     <p:spTree>
@@ -7618,7 +9096,7 @@
 </p:sld>
 </file>
 
-<file path=ppt/slides/slide14.xml><?xml version="1.0" encoding="utf-8"?>
+<file path=ppt/slides/slide18.xml><?xml version="1.0" encoding="utf-8"?>
 <p:sld xmlns:a="http://schemas.openxmlformats.org/drawingml/2006/main" xmlns:r="http://schemas.openxmlformats.org/officeDocument/2006/relationships" xmlns:p="http://schemas.openxmlformats.org/presentationml/2006/main">
   <p:cSld>
     <p:spTree>
@@ -7709,7 +9187,7 @@
 </p:sld>
 </file>
 
-<file path=ppt/slides/slide15.xml><?xml version="1.0" encoding="utf-8"?>
+<file path=ppt/slides/slide19.xml><?xml version="1.0" encoding="utf-8"?>
 <p:sld xmlns:a="http://schemas.openxmlformats.org/drawingml/2006/main" xmlns:r="http://schemas.openxmlformats.org/officeDocument/2006/relationships" xmlns:p="http://schemas.openxmlformats.org/presentationml/2006/main">
   <p:cSld>
     <p:spTree>
@@ -7789,7 +9267,108 @@
 </p:sld>
 </file>
 
-<file path=ppt/slides/slide16.xml><?xml version="1.0" encoding="utf-8"?>
+<file path=ppt/slides/slide2.xml><?xml version="1.0" encoding="utf-8"?>
+<p:sld xmlns:a="http://schemas.openxmlformats.org/drawingml/2006/main" xmlns:r="http://schemas.openxmlformats.org/officeDocument/2006/relationships" xmlns:p="http://schemas.openxmlformats.org/presentationml/2006/main">
+  <p:cSld>
+    <p:spTree>
+      <p:nvGrpSpPr>
+        <p:cNvPr id="1" name=""/>
+        <p:cNvGrpSpPr/>
+        <p:nvPr/>
+      </p:nvGrpSpPr>
+      <p:grpSpPr>
+        <a:xfrm>
+          <a:off x="0" y="0"/>
+          <a:ext cx="0" cy="0"/>
+          <a:chOff x="0" y="0"/>
+          <a:chExt cx="0" cy="0"/>
+        </a:xfrm>
+      </p:grpSpPr>
+      <p:sp>
+        <p:nvSpPr>
+          <p:cNvPr id="2" name="Title 1"/>
+          <p:cNvSpPr>
+            <a:spLocks noGrp="1"/>
+          </p:cNvSpPr>
+          <p:nvPr>
+            <p:ph type="title"/>
+          </p:nvPr>
+        </p:nvSpPr>
+        <p:spPr/>
+        <p:txBody>
+          <a:bodyPr/>
+          <a:lstStyle/>
+          <a:p>
+            <a:r>
+              <a:rPr lang="en-US" dirty="0"/>
+              <a:t>Randy Aufrecht</a:t>
+            </a:r>
+            <a:endParaRPr dirty="0"/>
+          </a:p>
+        </p:txBody>
+      </p:sp>
+      <p:sp>
+        <p:nvSpPr>
+          <p:cNvPr id="3" name="Content Placeholder 2"/>
+          <p:cNvSpPr>
+            <a:spLocks noGrp="1"/>
+          </p:cNvSpPr>
+          <p:nvPr>
+            <p:ph idx="1"/>
+          </p:nvPr>
+        </p:nvSpPr>
+        <p:spPr>
+          <a:xfrm>
+            <a:off x="7761427" y="2666999"/>
+            <a:ext cx="3741596" cy="3124201"/>
+          </a:xfrm>
+        </p:spPr>
+        <p:txBody>
+          <a:bodyPr/>
+          <a:lstStyle/>
+          <a:p>
+            <a:pPr marL="0" indent="0">
+              <a:buNone/>
+            </a:pPr>
+            <a:r>
+              <a:rPr lang="en-US" dirty="0" err="1"/>
+              <a:t>Rocketchat</a:t>
+            </a:r>
+            <a:r>
+              <a:rPr lang="en-US" dirty="0"/>
+              <a:t>: @randya</a:t>
+            </a:r>
+          </a:p>
+          <a:p>
+            <a:pPr marL="0" indent="0">
+              <a:buNone/>
+            </a:pPr>
+            <a:r>
+              <a:rPr lang="en-US" dirty="0" err="1"/>
+              <a:t>Randy.Aufrecht@cbc.email</a:t>
+            </a:r>
+            <a:endParaRPr lang="en-US" dirty="0"/>
+          </a:p>
+          <a:p>
+            <a:pPr marL="0" indent="0">
+              <a:buNone/>
+            </a:pPr>
+            <a:r>
+              <a:rPr lang="en-US" dirty="0"/>
+              <a:t>www.communitybible.com</a:t>
+            </a:r>
+          </a:p>
+        </p:txBody>
+      </p:sp>
+    </p:spTree>
+  </p:cSld>
+  <p:clrMapOvr>
+    <a:masterClrMapping/>
+  </p:clrMapOvr>
+</p:sld>
+</file>
+
+<file path=ppt/slides/slide20.xml><?xml version="1.0" encoding="utf-8"?>
 <p:sld xmlns:a="http://schemas.openxmlformats.org/drawingml/2006/main" xmlns:r="http://schemas.openxmlformats.org/officeDocument/2006/relationships" xmlns:p="http://schemas.openxmlformats.org/presentationml/2006/main">
   <p:cSld>
     <p:spTree>
@@ -7925,107 +9504,6 @@
 </p:sld>
 </file>
 
-<file path=ppt/slides/slide2.xml><?xml version="1.0" encoding="utf-8"?>
-<p:sld xmlns:a="http://schemas.openxmlformats.org/drawingml/2006/main" xmlns:r="http://schemas.openxmlformats.org/officeDocument/2006/relationships" xmlns:p="http://schemas.openxmlformats.org/presentationml/2006/main">
-  <p:cSld>
-    <p:spTree>
-      <p:nvGrpSpPr>
-        <p:cNvPr id="1" name=""/>
-        <p:cNvGrpSpPr/>
-        <p:nvPr/>
-      </p:nvGrpSpPr>
-      <p:grpSpPr>
-        <a:xfrm>
-          <a:off x="0" y="0"/>
-          <a:ext cx="0" cy="0"/>
-          <a:chOff x="0" y="0"/>
-          <a:chExt cx="0" cy="0"/>
-        </a:xfrm>
-      </p:grpSpPr>
-      <p:sp>
-        <p:nvSpPr>
-          <p:cNvPr id="2" name="Title 1"/>
-          <p:cNvSpPr>
-            <a:spLocks noGrp="1"/>
-          </p:cNvSpPr>
-          <p:nvPr>
-            <p:ph type="title"/>
-          </p:nvPr>
-        </p:nvSpPr>
-        <p:spPr/>
-        <p:txBody>
-          <a:bodyPr/>
-          <a:lstStyle/>
-          <a:p>
-            <a:r>
-              <a:rPr lang="en-US" dirty="0"/>
-              <a:t>Randy Aufrecht</a:t>
-            </a:r>
-            <a:endParaRPr dirty="0"/>
-          </a:p>
-        </p:txBody>
-      </p:sp>
-      <p:sp>
-        <p:nvSpPr>
-          <p:cNvPr id="3" name="Content Placeholder 2"/>
-          <p:cNvSpPr>
-            <a:spLocks noGrp="1"/>
-          </p:cNvSpPr>
-          <p:nvPr>
-            <p:ph idx="1"/>
-          </p:nvPr>
-        </p:nvSpPr>
-        <p:spPr>
-          <a:xfrm>
-            <a:off x="7761427" y="2666999"/>
-            <a:ext cx="3741596" cy="3124201"/>
-          </a:xfrm>
-        </p:spPr>
-        <p:txBody>
-          <a:bodyPr/>
-          <a:lstStyle/>
-          <a:p>
-            <a:pPr marL="0" indent="0">
-              <a:buNone/>
-            </a:pPr>
-            <a:r>
-              <a:rPr lang="en-US" dirty="0" err="1"/>
-              <a:t>Rocketchat</a:t>
-            </a:r>
-            <a:r>
-              <a:rPr lang="en-US" dirty="0"/>
-              <a:t>: @randya</a:t>
-            </a:r>
-          </a:p>
-          <a:p>
-            <a:pPr marL="0" indent="0">
-              <a:buNone/>
-            </a:pPr>
-            <a:r>
-              <a:rPr lang="en-US" dirty="0" err="1"/>
-              <a:t>Randy.Aufrecht@cbc.email</a:t>
-            </a:r>
-            <a:endParaRPr lang="en-US" dirty="0"/>
-          </a:p>
-          <a:p>
-            <a:pPr marL="0" indent="0">
-              <a:buNone/>
-            </a:pPr>
-            <a:r>
-              <a:rPr lang="en-US" dirty="0"/>
-              <a:t>www.communitybible.com</a:t>
-            </a:r>
-          </a:p>
-        </p:txBody>
-      </p:sp>
-    </p:spTree>
-  </p:cSld>
-  <p:clrMapOvr>
-    <a:masterClrMapping/>
-  </p:clrMapOvr>
-</p:sld>
-</file>
-
 <file path=ppt/slides/slide3.xml><?xml version="1.0" encoding="utf-8"?>
 <p:sld xmlns:a="http://schemas.openxmlformats.org/drawingml/2006/main" xmlns:r="http://schemas.openxmlformats.org/officeDocument/2006/relationships" xmlns:p="http://schemas.openxmlformats.org/presentationml/2006/main">
   <p:cSld>
@@ -8134,7 +9612,7 @@
           <p:nvPr/>
         </p:nvPicPr>
         <p:blipFill>
-          <a:blip r:embed="rId2"/>
+          <a:blip r:embed="rId3"/>
           <a:stretch>
             <a:fillRect/>
           </a:stretch>
@@ -8164,7 +9642,7 @@
           <p:nvPr/>
         </p:nvPicPr>
         <p:blipFill rotWithShape="1">
-          <a:blip r:embed="rId3"/>
+          <a:blip r:embed="rId4"/>
           <a:srcRect t="28395" b="6173"/>
           <a:stretch/>
         </p:blipFill>
@@ -8193,7 +9671,7 @@
           <p:nvPr/>
         </p:nvPicPr>
         <p:blipFill rotWithShape="1">
-          <a:blip r:embed="rId4"/>
+          <a:blip r:embed="rId5"/>
           <a:srcRect r="33769"/>
           <a:stretch/>
         </p:blipFill>
@@ -8222,7 +9700,7 @@
           <p:nvPr/>
         </p:nvPicPr>
         <p:blipFill rotWithShape="1">
-          <a:blip r:embed="rId5"/>
+          <a:blip r:embed="rId6"/>
           <a:srcRect t="37654" r="29200" b="10000"/>
           <a:stretch/>
         </p:blipFill>
@@ -8706,6 +10184,7 @@
           <a:lstStyle/>
           <a:p>
             <a:r>
+              <a:rPr dirty="0"/>
               <a:t>What is a VCI?</a:t>
             </a:r>
           </a:p>
@@ -8742,24 +10221,28 @@
             </a:r>
           </a:p>
           <a:p>
-            <a:pPr lvl="1"/>
-            <a:r>
-              <a:rPr dirty="0"/>
+            <a:pPr marL="1257300" lvl="3" indent="0">
+              <a:buNone/>
+            </a:pPr>
+            <a:r>
+              <a:rPr sz="2200" dirty="0"/>
               <a:t>Black: </a:t>
             </a:r>
             <a:r>
-              <a:rPr lang="en-US" dirty="0"/>
+              <a:rPr lang="en-US" sz="2200" dirty="0"/>
               <a:t>	</a:t>
             </a:r>
             <a:r>
-              <a:rPr dirty="0"/>
+              <a:rPr sz="2200" dirty="0"/>
               <a:t>Unauthorized to Volunteer</a:t>
             </a:r>
           </a:p>
           <a:p>
-            <a:pPr lvl="1"/>
-            <a:r>
-              <a:rPr dirty="0">
+            <a:pPr marL="1257300" lvl="3" indent="0">
+              <a:buNone/>
+            </a:pPr>
+            <a:r>
+              <a:rPr sz="2200" dirty="0">
                 <a:solidFill>
                   <a:schemeClr val="accent4"/>
                 </a:solidFill>
@@ -8767,22 +10250,24 @@
               <a:t>Red:</a:t>
             </a:r>
             <a:r>
-              <a:rPr dirty="0"/>
+              <a:rPr sz="2200" dirty="0"/>
               <a:t> </a:t>
             </a:r>
             <a:r>
-              <a:rPr lang="en-US" dirty="0"/>
+              <a:rPr lang="en-US" sz="2200" dirty="0"/>
               <a:t>		</a:t>
             </a:r>
             <a:r>
-              <a:rPr dirty="0"/>
+              <a:rPr sz="2200" dirty="0"/>
               <a:t>Unauthorized to Volunteer at this Time</a:t>
             </a:r>
           </a:p>
           <a:p>
-            <a:pPr lvl="1"/>
-            <a:r>
-              <a:rPr dirty="0">
+            <a:pPr marL="1257300" lvl="3" indent="0">
+              <a:buNone/>
+            </a:pPr>
+            <a:r>
+              <a:rPr sz="2200" dirty="0">
                 <a:solidFill>
                   <a:schemeClr val="accent3"/>
                 </a:solidFill>
@@ -8790,22 +10275,24 @@
               <a:t>Orange:</a:t>
             </a:r>
             <a:r>
-              <a:rPr dirty="0"/>
+              <a:rPr sz="2200" dirty="0"/>
               <a:t> </a:t>
             </a:r>
             <a:r>
-              <a:rPr lang="en-US" dirty="0"/>
+              <a:rPr lang="en-US" sz="2200" dirty="0"/>
               <a:t>	</a:t>
             </a:r>
             <a:r>
-              <a:rPr dirty="0"/>
+              <a:rPr sz="2200" dirty="0"/>
               <a:t>All Star Requires Updated Authorizations</a:t>
             </a:r>
           </a:p>
           <a:p>
-            <a:pPr lvl="1"/>
-            <a:r>
-              <a:rPr dirty="0">
+            <a:pPr marL="1257300" lvl="3" indent="0">
+              <a:buNone/>
+            </a:pPr>
+            <a:r>
+              <a:rPr sz="2200" dirty="0">
                 <a:solidFill>
                   <a:schemeClr val="accent1"/>
                 </a:solidFill>
@@ -8813,22 +10300,24 @@
               <a:t>Blue:</a:t>
             </a:r>
             <a:r>
-              <a:rPr dirty="0"/>
+              <a:rPr sz="2200" dirty="0"/>
               <a:t> </a:t>
             </a:r>
             <a:r>
-              <a:rPr lang="en-US" dirty="0"/>
-              <a:t>		</a:t>
-            </a:r>
-            <a:r>
-              <a:rPr dirty="0"/>
+              <a:rPr lang="en-US" sz="2200" dirty="0"/>
+              <a:t>	</a:t>
+            </a:r>
+            <a:r>
+              <a:rPr sz="2200" dirty="0"/>
               <a:t>Authorized All Star for Adults Only</a:t>
             </a:r>
           </a:p>
           <a:p>
-            <a:pPr lvl="1"/>
-            <a:r>
-              <a:rPr dirty="0">
+            <a:pPr marL="1257300" lvl="3" indent="0">
+              <a:buNone/>
+            </a:pPr>
+            <a:r>
+              <a:rPr sz="2200" dirty="0">
                 <a:solidFill>
                   <a:srgbClr val="FFFF00"/>
                 </a:solidFill>
@@ -8836,22 +10325,24 @@
               <a:t>Yellow:</a:t>
             </a:r>
             <a:r>
-              <a:rPr dirty="0"/>
+              <a:rPr sz="2200" dirty="0"/>
               <a:t> </a:t>
             </a:r>
             <a:r>
-              <a:rPr lang="en-US" dirty="0"/>
+              <a:rPr lang="en-US" sz="2200" dirty="0"/>
               <a:t>	</a:t>
             </a:r>
             <a:r>
-              <a:rPr dirty="0"/>
+              <a:rPr sz="2200" dirty="0"/>
               <a:t>Authorized All Star Minor and Conditional</a:t>
             </a:r>
           </a:p>
           <a:p>
-            <a:pPr lvl="1"/>
-            <a:r>
-              <a:rPr dirty="0">
+            <a:pPr marL="1257300" lvl="3" indent="0">
+              <a:buNone/>
+            </a:pPr>
+            <a:r>
+              <a:rPr sz="2200" dirty="0">
                 <a:solidFill>
                   <a:schemeClr val="accent2"/>
                 </a:solidFill>
@@ -8859,37 +10350,41 @@
               <a:t>Green:</a:t>
             </a:r>
             <a:r>
-              <a:rPr dirty="0"/>
+              <a:rPr sz="2200" dirty="0"/>
               <a:t> </a:t>
             </a:r>
             <a:r>
-              <a:rPr lang="en-US" dirty="0"/>
+              <a:rPr lang="en-US" sz="2200" dirty="0"/>
               <a:t>	</a:t>
             </a:r>
             <a:r>
-              <a:rPr dirty="0"/>
+              <a:rPr sz="2200" dirty="0"/>
               <a:t>Authorized All Star for All</a:t>
             </a:r>
           </a:p>
           <a:p>
-            <a:pPr lvl="1"/>
-            <a:r>
-              <a:rPr dirty="0"/>
+            <a:pPr marL="1257300" lvl="3" indent="0">
+              <a:buNone/>
+            </a:pPr>
+            <a:r>
+              <a:rPr sz="2200" dirty="0"/>
               <a:t>Grey: </a:t>
             </a:r>
             <a:r>
-              <a:rPr lang="en-US" dirty="0"/>
-              <a:t>		</a:t>
-            </a:r>
-            <a:r>
-              <a:rPr dirty="0"/>
+              <a:rPr lang="en-US" sz="2200" dirty="0"/>
+              <a:t>	</a:t>
+            </a:r>
+            <a:r>
+              <a:rPr sz="2200" dirty="0"/>
               <a:t>All Star Status Under Evaluation</a:t>
             </a:r>
           </a:p>
           <a:p>
-            <a:pPr lvl="1"/>
-            <a:r>
-              <a:rPr dirty="0">
+            <a:pPr marL="1257300" lvl="3" indent="0">
+              <a:buNone/>
+            </a:pPr>
+            <a:r>
+              <a:rPr sz="2200" dirty="0">
                 <a:solidFill>
                   <a:schemeClr val="accent6"/>
                 </a:solidFill>
@@ -8897,7 +10392,7 @@
               <a:t>Purple: </a:t>
             </a:r>
             <a:r>
-              <a:rPr lang="en-US" dirty="0">
+              <a:rPr lang="en-US" sz="2200" dirty="0">
                 <a:solidFill>
                   <a:schemeClr val="accent6"/>
                 </a:solidFill>
@@ -8905,7 +10400,7 @@
               <a:t>	</a:t>
             </a:r>
             <a:r>
-              <a:rPr dirty="0"/>
+              <a:rPr sz="2200" dirty="0"/>
               <a:t>High Capacity All Star</a:t>
             </a:r>
           </a:p>
@@ -9159,14 +10654,22 @@
           <a:lstStyle/>
           <a:p>
             <a:r>
-              <a:t>Automating the VCI Process</a:t>
-            </a:r>
-          </a:p>
-        </p:txBody>
-      </p:sp>
-      <p:sp>
-        <p:nvSpPr>
-          <p:cNvPr id="3" name="Content Placeholder 2"/>
+              <a:rPr lang="en-US" dirty="0"/>
+              <a:t>Attribute Matrix</a:t>
+            </a:r>
+            <a:endParaRPr dirty="0"/>
+          </a:p>
+        </p:txBody>
+      </p:sp>
+      <p:sp>
+        <p:nvSpPr>
+          <p:cNvPr id="6" name="Content Placeholder 5">
+            <a:extLst>
+              <a:ext uri="{FF2B5EF4-FFF2-40B4-BE49-F238E27FC236}">
+                <a16:creationId xmlns:a16="http://schemas.microsoft.com/office/drawing/2014/main" id="{5CC7BECD-1557-460E-A170-6FA6BA32CE26}"/>
+              </a:ext>
+            </a:extLst>
+          </p:cNvPr>
           <p:cNvSpPr>
             <a:spLocks noGrp="1"/>
           </p:cNvSpPr>
@@ -9176,265 +10679,43 @@
         </p:nvSpPr>
         <p:spPr/>
         <p:txBody>
-          <a:bodyPr>
-            <a:normAutofit/>
-          </a:bodyPr>
+          <a:bodyPr/>
           <a:lstStyle/>
           <a:p>
-            <a:pPr marL="0" indent="0">
-              <a:buNone/>
-            </a:pPr>
-            <a:r>
-              <a:rPr dirty="0"/>
-              <a:t>The VCI process can be automated using workflows and job triggers:</a:t>
-            </a:r>
-          </a:p>
-          <a:p>
-            <a:pPr marL="457200" indent="-457200">
-              <a:buFont typeface="+mj-lt"/>
-              <a:buAutoNum type="arabicPeriod"/>
-            </a:pPr>
-            <a:r>
-              <a:rPr dirty="0"/>
-              <a:t>Notifications are sent when a volunteer's VCI changes or expires.</a:t>
-            </a:r>
-          </a:p>
-          <a:p>
-            <a:pPr marL="457200" indent="-457200">
-              <a:buFont typeface="+mj-lt"/>
-              <a:buAutoNum type="arabicPeriod"/>
-            </a:pPr>
-            <a:r>
-              <a:rPr dirty="0"/>
-              <a:t>Automation updates the VCI level upon expiration and triggers necessary notifications.</a:t>
-            </a:r>
+            <a:r>
+              <a:rPr lang="en-US" dirty="0"/>
+              <a:t>Groups like attributes together</a:t>
+            </a:r>
+          </a:p>
+          <a:p>
+            <a:r>
+              <a:rPr lang="en-US" dirty="0"/>
+              <a:t>Allows for multiple groups of attributes</a:t>
+            </a:r>
+          </a:p>
+          <a:p>
+            <a:r>
+              <a:rPr lang="en-US" dirty="0"/>
+              <a:t>Display whole Matrix with </a:t>
+            </a:r>
+            <a:r>
+              <a:rPr lang="en-US"/>
+              <a:t>Lava Object</a:t>
+            </a:r>
+            <a:endParaRPr lang="en-US" dirty="0"/>
           </a:p>
         </p:txBody>
       </p:sp>
     </p:spTree>
+    <p:extLst>
+      <p:ext uri="{BB962C8B-B14F-4D97-AF65-F5344CB8AC3E}">
+        <p14:creationId xmlns:p14="http://schemas.microsoft.com/office/powerpoint/2010/main" val="3949092716"/>
+      </p:ext>
+    </p:extLst>
   </p:cSld>
   <p:clrMapOvr>
     <a:masterClrMapping/>
   </p:clrMapOvr>
-  <p:timing>
-    <p:tnLst>
-      <p:par>
-        <p:cTn id="1" dur="indefinite" restart="never" nodeType="tmRoot">
-          <p:childTnLst>
-            <p:seq concurrent="1" nextAc="seek">
-              <p:cTn id="2" dur="indefinite" nodeType="mainSeq">
-                <p:childTnLst>
-                  <p:par>
-                    <p:cTn id="3" fill="hold">
-                      <p:stCondLst>
-                        <p:cond delay="indefinite"/>
-                        <p:cond evt="onBegin" delay="0">
-                          <p:tn val="2"/>
-                        </p:cond>
-                      </p:stCondLst>
-                      <p:childTnLst>
-                        <p:par>
-                          <p:cTn id="4" fill="hold">
-                            <p:stCondLst>
-                              <p:cond delay="0"/>
-                            </p:stCondLst>
-                            <p:childTnLst>
-                              <p:par>
-                                <p:cTn id="5" presetID="10" presetClass="entr" presetSubtype="0" fill="hold" grpId="0" nodeType="withEffect">
-                                  <p:stCondLst>
-                                    <p:cond delay="0"/>
-                                  </p:stCondLst>
-                                  <p:childTnLst>
-                                    <p:set>
-                                      <p:cBhvr>
-                                        <p:cTn id="6" dur="1" fill="hold">
-                                          <p:stCondLst>
-                                            <p:cond delay="0"/>
-                                          </p:stCondLst>
-                                        </p:cTn>
-                                        <p:tgtEl>
-                                          <p:spTgt spid="3">
-                                            <p:txEl>
-                                              <p:pRg st="0" end="0"/>
-                                            </p:txEl>
-                                          </p:spTgt>
-                                        </p:tgtEl>
-                                        <p:attrNameLst>
-                                          <p:attrName>style.visibility</p:attrName>
-                                        </p:attrNameLst>
-                                      </p:cBhvr>
-                                      <p:to>
-                                        <p:strVal val="visible"/>
-                                      </p:to>
-                                    </p:set>
-                                    <p:animEffect transition="in" filter="fade">
-                                      <p:cBhvr>
-                                        <p:cTn id="7" dur="500"/>
-                                        <p:tgtEl>
-                                          <p:spTgt spid="3">
-                                            <p:txEl>
-                                              <p:pRg st="0" end="0"/>
-                                            </p:txEl>
-                                          </p:spTgt>
-                                        </p:tgtEl>
-                                      </p:cBhvr>
-                                    </p:animEffect>
-                                  </p:childTnLst>
-                                </p:cTn>
-                              </p:par>
-                            </p:childTnLst>
-                          </p:cTn>
-                        </p:par>
-                      </p:childTnLst>
-                    </p:cTn>
-                  </p:par>
-                  <p:par>
-                    <p:cTn id="8" fill="hold">
-                      <p:stCondLst>
-                        <p:cond delay="indefinite"/>
-                      </p:stCondLst>
-                      <p:childTnLst>
-                        <p:par>
-                          <p:cTn id="9" fill="hold">
-                            <p:stCondLst>
-                              <p:cond delay="0"/>
-                            </p:stCondLst>
-                            <p:childTnLst>
-                              <p:par>
-                                <p:cTn id="10" presetID="10" presetClass="entr" presetSubtype="0" fill="hold" grpId="0" nodeType="clickEffect">
-                                  <p:stCondLst>
-                                    <p:cond delay="0"/>
-                                  </p:stCondLst>
-                                  <p:childTnLst>
-                                    <p:set>
-                                      <p:cBhvr>
-                                        <p:cTn id="11" dur="1" fill="hold">
-                                          <p:stCondLst>
-                                            <p:cond delay="0"/>
-                                          </p:stCondLst>
-                                        </p:cTn>
-                                        <p:tgtEl>
-                                          <p:spTgt spid="3">
-                                            <p:txEl>
-                                              <p:pRg st="1" end="1"/>
-                                            </p:txEl>
-                                          </p:spTgt>
-                                        </p:tgtEl>
-                                        <p:attrNameLst>
-                                          <p:attrName>style.visibility</p:attrName>
-                                        </p:attrNameLst>
-                                      </p:cBhvr>
-                                      <p:to>
-                                        <p:strVal val="visible"/>
-                                      </p:to>
-                                    </p:set>
-                                    <p:animEffect transition="in" filter="fade">
-                                      <p:cBhvr>
-                                        <p:cTn id="12" dur="500"/>
-                                        <p:tgtEl>
-                                          <p:spTgt spid="3">
-                                            <p:txEl>
-                                              <p:pRg st="1" end="1"/>
-                                            </p:txEl>
-                                          </p:spTgt>
-                                        </p:tgtEl>
-                                      </p:cBhvr>
-                                    </p:animEffect>
-                                  </p:childTnLst>
-                                </p:cTn>
-                              </p:par>
-                            </p:childTnLst>
-                          </p:cTn>
-                        </p:par>
-                      </p:childTnLst>
-                    </p:cTn>
-                  </p:par>
-                  <p:par>
-                    <p:cTn id="13" fill="hold">
-                      <p:stCondLst>
-                        <p:cond delay="indefinite"/>
-                      </p:stCondLst>
-                      <p:childTnLst>
-                        <p:par>
-                          <p:cTn id="14" fill="hold">
-                            <p:stCondLst>
-                              <p:cond delay="0"/>
-                            </p:stCondLst>
-                            <p:childTnLst>
-                              <p:par>
-                                <p:cTn id="15" presetID="10" presetClass="entr" presetSubtype="0" fill="hold" grpId="0" nodeType="clickEffect">
-                                  <p:stCondLst>
-                                    <p:cond delay="0"/>
-                                  </p:stCondLst>
-                                  <p:childTnLst>
-                                    <p:set>
-                                      <p:cBhvr>
-                                        <p:cTn id="16" dur="1" fill="hold">
-                                          <p:stCondLst>
-                                            <p:cond delay="0"/>
-                                          </p:stCondLst>
-                                        </p:cTn>
-                                        <p:tgtEl>
-                                          <p:spTgt spid="3">
-                                            <p:txEl>
-                                              <p:pRg st="2" end="2"/>
-                                            </p:txEl>
-                                          </p:spTgt>
-                                        </p:tgtEl>
-                                        <p:attrNameLst>
-                                          <p:attrName>style.visibility</p:attrName>
-                                        </p:attrNameLst>
-                                      </p:cBhvr>
-                                      <p:to>
-                                        <p:strVal val="visible"/>
-                                      </p:to>
-                                    </p:set>
-                                    <p:animEffect transition="in" filter="fade">
-                                      <p:cBhvr>
-                                        <p:cTn id="17" dur="500"/>
-                                        <p:tgtEl>
-                                          <p:spTgt spid="3">
-                                            <p:txEl>
-                                              <p:pRg st="2" end="2"/>
-                                            </p:txEl>
-                                          </p:spTgt>
-                                        </p:tgtEl>
-                                      </p:cBhvr>
-                                    </p:animEffect>
-                                  </p:childTnLst>
-                                </p:cTn>
-                              </p:par>
-                            </p:childTnLst>
-                          </p:cTn>
-                        </p:par>
-                      </p:childTnLst>
-                    </p:cTn>
-                  </p:par>
-                </p:childTnLst>
-              </p:cTn>
-              <p:prevCondLst>
-                <p:cond evt="onPrev" delay="0">
-                  <p:tgtEl>
-                    <p:sldTgt/>
-                  </p:tgtEl>
-                </p:cond>
-              </p:prevCondLst>
-              <p:nextCondLst>
-                <p:cond evt="onNext" delay="0">
-                  <p:tgtEl>
-                    <p:sldTgt/>
-                  </p:tgtEl>
-                </p:cond>
-              </p:nextCondLst>
-            </p:seq>
-          </p:childTnLst>
-        </p:cTn>
-      </p:par>
-    </p:tnLst>
-    <p:bldLst>
-      <p:bldP spid="3" grpId="0" uiExpand="1" build="p"/>
-    </p:bldLst>
-  </p:timing>
 </p:sld>
 </file>
 
